--- a/design pattern.pptx
+++ b/design pattern.pptx
@@ -5,7 +5,7 @@
     <p:sldMasterId id="2147483660" r:id="rId1"/>
   </p:sldMasterIdLst>
   <p:notesMasterIdLst>
-    <p:notesMasterId r:id="rId25"/>
+    <p:notesMasterId r:id="rId36"/>
   </p:notesMasterIdLst>
   <p:sldIdLst>
     <p:sldId id="256" r:id="rId2"/>
@@ -18,19 +18,30 @@
     <p:sldId id="266" r:id="rId9"/>
     <p:sldId id="267" r:id="rId10"/>
     <p:sldId id="260" r:id="rId11"/>
-    <p:sldId id="268" r:id="rId12"/>
-    <p:sldId id="269" r:id="rId13"/>
-    <p:sldId id="276" r:id="rId14"/>
-    <p:sldId id="275" r:id="rId15"/>
-    <p:sldId id="274" r:id="rId16"/>
-    <p:sldId id="273" r:id="rId17"/>
+    <p:sldId id="281" r:id="rId12"/>
+    <p:sldId id="268" r:id="rId13"/>
+    <p:sldId id="269" r:id="rId14"/>
+    <p:sldId id="276" r:id="rId15"/>
+    <p:sldId id="275" r:id="rId16"/>
+    <p:sldId id="274" r:id="rId17"/>
     <p:sldId id="277" r:id="rId18"/>
     <p:sldId id="278" r:id="rId19"/>
-    <p:sldId id="272" r:id="rId20"/>
-    <p:sldId id="279" r:id="rId21"/>
+    <p:sldId id="285" r:id="rId20"/>
+    <p:sldId id="284" r:id="rId21"/>
     <p:sldId id="280" r:id="rId22"/>
-    <p:sldId id="263" r:id="rId23"/>
-    <p:sldId id="264" r:id="rId24"/>
+    <p:sldId id="286" r:id="rId23"/>
+    <p:sldId id="290" r:id="rId24"/>
+    <p:sldId id="288" r:id="rId25"/>
+    <p:sldId id="289" r:id="rId26"/>
+    <p:sldId id="282" r:id="rId27"/>
+    <p:sldId id="291" r:id="rId28"/>
+    <p:sldId id="292" r:id="rId29"/>
+    <p:sldId id="283" r:id="rId30"/>
+    <p:sldId id="295" r:id="rId31"/>
+    <p:sldId id="296" r:id="rId32"/>
+    <p:sldId id="264" r:id="rId33"/>
+    <p:sldId id="293" r:id="rId34"/>
+    <p:sldId id="294" r:id="rId35"/>
   </p:sldIdLst>
   <p:sldSz cx="9144000" cy="6858000" type="screen4x3"/>
   <p:notesSz cx="6858000" cy="9144000"/>
@@ -214,7 +225,8 @@
           <a:p>
             <a:fld id="{A0C4F195-3A13-4E1C-9A7B-57061D31A8FC}" type="datetimeFigureOut">
               <a:rPr lang="en-US" smtClean="0"/>
-              <a:t>10/26/2019</a:t>
+              <a:pPr/>
+              <a:t>10/28/2019</a:t>
             </a:fld>
             <a:endParaRPr lang="en-IN"/>
           </a:p>
@@ -375,6 +387,7 @@
           <a:p>
             <a:fld id="{855408DE-5324-4654-8F6A-D98BE773EE5B}" type="slidenum">
               <a:rPr lang="en-IN" smtClean="0"/>
+              <a:pPr/>
               <a:t>‹#›</a:t>
             </a:fld>
             <a:endParaRPr lang="en-IN"/>
@@ -614,7 +627,7 @@
             <a:fld id="{54AB02A5-4FE5-49D9-9E24-09F23B90C450}" type="datetimeFigureOut">
               <a:rPr lang="en-US" smtClean="0"/>
               <a:pPr/>
-              <a:t>10/26/2019</a:t>
+              <a:t>10/28/2019</a:t>
             </a:fld>
             <a:endParaRPr lang="en-US"/>
           </a:p>
@@ -929,7 +942,7 @@
             <a:fld id="{54AB02A5-4FE5-49D9-9E24-09F23B90C450}" type="datetimeFigureOut">
               <a:rPr lang="en-US" smtClean="0"/>
               <a:pPr/>
-              <a:t>10/26/2019</a:t>
+              <a:t>10/28/2019</a:t>
             </a:fld>
             <a:endParaRPr lang="en-US"/>
           </a:p>
@@ -1116,7 +1129,7 @@
             <a:fld id="{54AB02A5-4FE5-49D9-9E24-09F23B90C450}" type="datetimeFigureOut">
               <a:rPr lang="en-US" smtClean="0"/>
               <a:pPr/>
-              <a:t>10/26/2019</a:t>
+              <a:t>10/28/2019</a:t>
             </a:fld>
             <a:endParaRPr lang="en-US"/>
           </a:p>
@@ -1293,7 +1306,7 @@
             <a:fld id="{54AB02A5-4FE5-49D9-9E24-09F23B90C450}" type="datetimeFigureOut">
               <a:rPr lang="en-US" smtClean="0"/>
               <a:pPr/>
-              <a:t>10/26/2019</a:t>
+              <a:t>10/28/2019</a:t>
             </a:fld>
             <a:endParaRPr lang="en-US"/>
           </a:p>
@@ -1563,7 +1576,7 @@
             <a:fld id="{54AB02A5-4FE5-49D9-9E24-09F23B90C450}" type="datetimeFigureOut">
               <a:rPr lang="en-US" smtClean="0"/>
               <a:pPr/>
-              <a:t>10/26/2019</a:t>
+              <a:t>10/28/2019</a:t>
             </a:fld>
             <a:endParaRPr lang="en-US"/>
           </a:p>
@@ -2033,7 +2046,7 @@
             <a:fld id="{54AB02A5-4FE5-49D9-9E24-09F23B90C450}" type="datetimeFigureOut">
               <a:rPr lang="en-US" smtClean="0"/>
               <a:pPr/>
-              <a:t>10/26/2019</a:t>
+              <a:t>10/28/2019</a:t>
             </a:fld>
             <a:endParaRPr lang="en-US"/>
           </a:p>
@@ -2524,7 +2537,7 @@
             <a:fld id="{54AB02A5-4FE5-49D9-9E24-09F23B90C450}" type="datetimeFigureOut">
               <a:rPr lang="en-US" smtClean="0"/>
               <a:pPr/>
-              <a:t>10/26/2019</a:t>
+              <a:t>10/28/2019</a:t>
             </a:fld>
             <a:endParaRPr lang="en-US"/>
           </a:p>
@@ -2652,7 +2665,7 @@
             <a:fld id="{54AB02A5-4FE5-49D9-9E24-09F23B90C450}" type="datetimeFigureOut">
               <a:rPr lang="en-US" smtClean="0"/>
               <a:pPr/>
-              <a:t>10/26/2019</a:t>
+              <a:t>10/28/2019</a:t>
             </a:fld>
             <a:endParaRPr lang="en-US"/>
           </a:p>
@@ -2798,7 +2811,7 @@
             <a:fld id="{54AB02A5-4FE5-49D9-9E24-09F23B90C450}" type="datetimeFigureOut">
               <a:rPr lang="en-US" smtClean="0"/>
               <a:pPr/>
-              <a:t>10/26/2019</a:t>
+              <a:t>10/28/2019</a:t>
             </a:fld>
             <a:endParaRPr lang="en-US"/>
           </a:p>
@@ -3122,7 +3135,7 @@
             <a:fld id="{54AB02A5-4FE5-49D9-9E24-09F23B90C450}" type="datetimeFigureOut">
               <a:rPr lang="en-US" smtClean="0"/>
               <a:pPr/>
-              <a:t>10/26/2019</a:t>
+              <a:t>10/28/2019</a:t>
             </a:fld>
             <a:endParaRPr lang="en-US"/>
           </a:p>
@@ -3258,7 +3271,7 @@
             <a:fld id="{54AB02A5-4FE5-49D9-9E24-09F23B90C450}" type="datetimeFigureOut">
               <a:rPr lang="en-US" smtClean="0"/>
               <a:pPr/>
-              <a:t>10/26/2019</a:t>
+              <a:t>10/28/2019</a:t>
             </a:fld>
             <a:endParaRPr lang="en-US"/>
           </a:p>
@@ -4042,7 +4055,7 @@
             <a:fld id="{54AB02A5-4FE5-49D9-9E24-09F23B90C450}" type="datetimeFigureOut">
               <a:rPr lang="en-US" smtClean="0"/>
               <a:pPr algn="r" eaLnBrk="1" latinLnBrk="0" hangingPunct="1"/>
-              <a:t>10/26/2019</a:t>
+              <a:t>10/28/2019</a:t>
             </a:fld>
             <a:endParaRPr lang="en-US" sz="1200">
               <a:solidFill>
@@ -4864,142 +4877,39 @@
       </p:grpSpPr>
       <p:sp>
         <p:nvSpPr>
-          <p:cNvPr id="2" name="Title 1"/>
-          <p:cNvSpPr>
-            <a:spLocks noGrp="1"/>
-          </p:cNvSpPr>
-          <p:nvPr>
-            <p:ph type="title"/>
-          </p:nvPr>
-        </p:nvSpPr>
-        <p:spPr/>
+          <p:cNvPr id="3" name="Content Placeholder 2"/>
+          <p:cNvSpPr>
+            <a:spLocks noGrp="1"/>
+          </p:cNvSpPr>
+          <p:nvPr>
+            <p:ph idx="1"/>
+          </p:nvPr>
+        </p:nvSpPr>
+        <p:spPr>
+          <a:xfrm>
+            <a:off x="1435608" y="2714620"/>
+            <a:ext cx="7498080" cy="3533780"/>
+          </a:xfrm>
+        </p:spPr>
         <p:txBody>
           <a:bodyPr/>
           <a:lstStyle/>
           <a:p>
-            <a:r>
-              <a:rPr lang="en-IN" dirty="0" smtClean="0"/>
-              <a:t>Singleton Design Pattern</a:t>
-            </a:r>
-            <a:endParaRPr lang="en-IN" dirty="0"/>
-          </a:p>
-        </p:txBody>
-      </p:sp>
-      <p:sp>
-        <p:nvSpPr>
-          <p:cNvPr id="3" name="Content Placeholder 2"/>
-          <p:cNvSpPr>
-            <a:spLocks noGrp="1"/>
-          </p:cNvSpPr>
-          <p:nvPr>
-            <p:ph idx="1"/>
-          </p:nvPr>
-        </p:nvSpPr>
-        <p:spPr/>
-        <p:txBody>
-          <a:bodyPr>
-            <a:normAutofit fontScale="62500" lnSpcReduction="20000"/>
-          </a:bodyPr>
-          <a:lstStyle/>
-          <a:p>
-            <a:pPr>
+            <a:pPr algn="ctr">
               <a:buNone/>
             </a:pPr>
             <a:r>
-              <a:rPr lang="en-IN" dirty="0" smtClean="0"/>
-              <a:t>In object-oriented programming, a singleton class is a class that can have only one object (an instance of the class) at a time.</a:t>
-            </a:r>
-          </a:p>
-          <a:p>
-            <a:pPr fontAlgn="base">
+              <a:rPr lang="en-IN" b="1" dirty="0" smtClean="0"/>
+              <a:t>Creational Design Pattern</a:t>
+            </a:r>
+          </a:p>
+          <a:p>
+            <a:pPr algn="ctr">
               <a:buNone/>
             </a:pPr>
             <a:r>
-              <a:rPr lang="en-IN" b="1" dirty="0" smtClean="0"/>
-              <a:t>To design a singleton class</a:t>
-            </a:r>
-            <a:r>
-              <a:rPr lang="en-IN" dirty="0" smtClean="0"/>
-              <a:t>:</a:t>
-            </a:r>
-          </a:p>
-          <a:p>
-            <a:pPr fontAlgn="base"/>
-            <a:r>
-              <a:rPr lang="en-IN" dirty="0" smtClean="0"/>
-              <a:t>Declare a static variable of type Singleton class.</a:t>
-            </a:r>
-          </a:p>
-          <a:p>
-            <a:pPr fontAlgn="base"/>
-            <a:r>
-              <a:rPr lang="en-IN" dirty="0" smtClean="0"/>
-              <a:t>Make constructor as private.</a:t>
-            </a:r>
-          </a:p>
-          <a:p>
-            <a:pPr fontAlgn="base"/>
-            <a:r>
-              <a:rPr lang="en-IN" dirty="0" smtClean="0"/>
-              <a:t>Write a static method that has return type object of this singleton class. </a:t>
-            </a:r>
-          </a:p>
-          <a:p>
-            <a:pPr fontAlgn="base"/>
-            <a:endParaRPr lang="en-IN" dirty="0" smtClean="0"/>
-          </a:p>
-          <a:p>
-            <a:pPr fontAlgn="base">
-              <a:buNone/>
-            </a:pPr>
-            <a:r>
-              <a:rPr lang="en-IN" b="1" dirty="0" smtClean="0"/>
-              <a:t>Properties of Singleton class</a:t>
-            </a:r>
-            <a:r>
-              <a:rPr lang="en-IN" dirty="0" smtClean="0"/>
-              <a:t>.</a:t>
-            </a:r>
-          </a:p>
-          <a:p>
-            <a:pPr fontAlgn="base"/>
-            <a:r>
-              <a:rPr lang="en-IN" dirty="0" smtClean="0"/>
-              <a:t>It should have only one instance</a:t>
-            </a:r>
-          </a:p>
-          <a:p>
-            <a:pPr fontAlgn="base"/>
-            <a:r>
-              <a:rPr lang="en-IN" dirty="0" smtClean="0"/>
-              <a:t>Instance should be globally accessible</a:t>
-            </a:r>
-          </a:p>
-          <a:p>
-            <a:pPr fontAlgn="base"/>
-            <a:endParaRPr lang="en-IN" dirty="0" smtClean="0"/>
-          </a:p>
-          <a:p>
-            <a:pPr fontAlgn="base">
-              <a:buNone/>
-            </a:pPr>
-            <a:r>
-              <a:rPr lang="en-IN" b="1" dirty="0" smtClean="0"/>
-              <a:t>Initialization type</a:t>
-            </a:r>
-          </a:p>
-          <a:p>
-            <a:pPr fontAlgn="base"/>
-            <a:r>
-              <a:rPr lang="en-IN" dirty="0" smtClean="0"/>
-              <a:t>Early Initialization</a:t>
-            </a:r>
-          </a:p>
-          <a:p>
-            <a:pPr fontAlgn="base"/>
-            <a:r>
-              <a:rPr lang="en-IN" dirty="0" smtClean="0"/>
-              <a:t>Lazy Initialization</a:t>
+              <a:rPr lang="en-IN" sz="2000" dirty="0" smtClean="0"/>
+              <a:t>Creational Design Pattern deals with the way we are creating objects.</a:t>
             </a:r>
           </a:p>
         </p:txBody>
@@ -5013,6 +4923,215 @@
 </file>
 
 <file path=ppt/slides/slide12.xml><?xml version="1.0" encoding="utf-8"?>
+<p:sld xmlns:a="http://schemas.openxmlformats.org/drawingml/2006/main" xmlns:r="http://schemas.openxmlformats.org/officeDocument/2006/relationships" xmlns:p="http://schemas.openxmlformats.org/presentationml/2006/main">
+  <p:cSld>
+    <p:spTree>
+      <p:nvGrpSpPr>
+        <p:cNvPr id="1" name=""/>
+        <p:cNvGrpSpPr/>
+        <p:nvPr/>
+      </p:nvGrpSpPr>
+      <p:grpSpPr>
+        <a:xfrm>
+          <a:off x="0" y="0"/>
+          <a:ext cx="0" cy="0"/>
+          <a:chOff x="0" y="0"/>
+          <a:chExt cx="0" cy="0"/>
+        </a:xfrm>
+      </p:grpSpPr>
+      <p:sp>
+        <p:nvSpPr>
+          <p:cNvPr id="2" name="Title 1"/>
+          <p:cNvSpPr>
+            <a:spLocks noGrp="1"/>
+          </p:cNvSpPr>
+          <p:nvPr>
+            <p:ph type="title"/>
+          </p:nvPr>
+        </p:nvSpPr>
+        <p:spPr/>
+        <p:txBody>
+          <a:bodyPr/>
+          <a:lstStyle/>
+          <a:p>
+            <a:r>
+              <a:rPr lang="en-IN" dirty="0" smtClean="0"/>
+              <a:t>Singleton Design Pattern</a:t>
+            </a:r>
+            <a:endParaRPr lang="en-IN" dirty="0"/>
+          </a:p>
+        </p:txBody>
+      </p:sp>
+      <p:sp>
+        <p:nvSpPr>
+          <p:cNvPr id="3" name="Content Placeholder 2"/>
+          <p:cNvSpPr>
+            <a:spLocks noGrp="1"/>
+          </p:cNvSpPr>
+          <p:nvPr>
+            <p:ph idx="1"/>
+          </p:nvPr>
+        </p:nvSpPr>
+        <p:spPr/>
+        <p:txBody>
+          <a:bodyPr>
+            <a:normAutofit fontScale="40000" lnSpcReduction="20000"/>
+          </a:bodyPr>
+          <a:lstStyle/>
+          <a:p>
+            <a:pPr>
+              <a:buNone/>
+            </a:pPr>
+            <a:r>
+              <a:rPr lang="en-IN" dirty="0" smtClean="0"/>
+              <a:t>In object-oriented programming, a singleton class is a class that can have only one object (an instance of the class) at a time.</a:t>
+            </a:r>
+          </a:p>
+          <a:p>
+            <a:pPr fontAlgn="base">
+              <a:buNone/>
+            </a:pPr>
+            <a:r>
+              <a:rPr lang="en-IN" b="1" dirty="0" smtClean="0"/>
+              <a:t>To design a singleton class</a:t>
+            </a:r>
+            <a:r>
+              <a:rPr lang="en-IN" dirty="0" smtClean="0"/>
+              <a:t>:</a:t>
+            </a:r>
+          </a:p>
+          <a:p>
+            <a:pPr fontAlgn="base"/>
+            <a:r>
+              <a:rPr lang="en-IN" dirty="0" smtClean="0"/>
+              <a:t>Declare a static variable of type Singleton class.</a:t>
+            </a:r>
+          </a:p>
+          <a:p>
+            <a:pPr fontAlgn="base"/>
+            <a:r>
+              <a:rPr lang="en-IN" dirty="0" smtClean="0"/>
+              <a:t>Make constructor as private.</a:t>
+            </a:r>
+          </a:p>
+          <a:p>
+            <a:pPr fontAlgn="base"/>
+            <a:r>
+              <a:rPr lang="en-IN" dirty="0" smtClean="0"/>
+              <a:t>Write a static method that has return type object of this singleton class. </a:t>
+            </a:r>
+          </a:p>
+          <a:p>
+            <a:pPr fontAlgn="base"/>
+            <a:endParaRPr lang="en-IN" dirty="0" smtClean="0"/>
+          </a:p>
+          <a:p>
+            <a:pPr fontAlgn="base">
+              <a:buNone/>
+            </a:pPr>
+            <a:r>
+              <a:rPr lang="en-IN" b="1" dirty="0" smtClean="0"/>
+              <a:t>Properties of Singleton class</a:t>
+            </a:r>
+            <a:r>
+              <a:rPr lang="en-IN" dirty="0" smtClean="0"/>
+              <a:t>.</a:t>
+            </a:r>
+          </a:p>
+          <a:p>
+            <a:pPr fontAlgn="base"/>
+            <a:r>
+              <a:rPr lang="en-IN" dirty="0" smtClean="0"/>
+              <a:t>It should have only one instance</a:t>
+            </a:r>
+          </a:p>
+          <a:p>
+            <a:pPr fontAlgn="base"/>
+            <a:r>
+              <a:rPr lang="en-IN" dirty="0" smtClean="0"/>
+              <a:t>Instance should be globally accessible</a:t>
+            </a:r>
+          </a:p>
+          <a:p>
+            <a:pPr fontAlgn="base">
+              <a:buNone/>
+            </a:pPr>
+            <a:endParaRPr lang="en-IN" dirty="0" smtClean="0"/>
+          </a:p>
+          <a:p>
+            <a:pPr>
+              <a:buNone/>
+            </a:pPr>
+            <a:r>
+              <a:rPr lang="en-IN" b="1" dirty="0" smtClean="0"/>
+              <a:t>Advantage of Singleton design pattern</a:t>
+            </a:r>
+          </a:p>
+          <a:p>
+            <a:r>
+              <a:rPr lang="en-IN" dirty="0" smtClean="0"/>
+              <a:t>Saves memory because object is not created at each request. Only single instance is reused again and again.</a:t>
+            </a:r>
+          </a:p>
+          <a:p>
+            <a:pPr>
+              <a:buNone/>
+            </a:pPr>
+            <a:r>
+              <a:rPr lang="en-IN" b="1" dirty="0" smtClean="0"/>
+              <a:t>Usage </a:t>
+            </a:r>
+            <a:r>
+              <a:rPr lang="en-IN" b="1" dirty="0" smtClean="0"/>
+              <a:t>of Singleton design pattern</a:t>
+            </a:r>
+          </a:p>
+          <a:p>
+            <a:r>
+              <a:rPr lang="en-IN" dirty="0" smtClean="0"/>
+              <a:t>Singleton pattern is mostly used in multi-threaded and database applications. It is used in logging, caching, thread pools, configuration settings etc.</a:t>
+            </a:r>
+          </a:p>
+          <a:p>
+            <a:pPr fontAlgn="base">
+              <a:buNone/>
+            </a:pPr>
+            <a:endParaRPr lang="en-IN" dirty="0" smtClean="0"/>
+          </a:p>
+          <a:p>
+            <a:pPr fontAlgn="base">
+              <a:buNone/>
+            </a:pPr>
+            <a:r>
+              <a:rPr lang="en-IN" b="1" dirty="0" smtClean="0"/>
+              <a:t>Initialization type</a:t>
+            </a:r>
+          </a:p>
+          <a:p>
+            <a:pPr fontAlgn="base"/>
+            <a:r>
+              <a:rPr lang="en-IN" dirty="0" smtClean="0"/>
+              <a:t>Early Initialization</a:t>
+            </a:r>
+          </a:p>
+          <a:p>
+            <a:pPr fontAlgn="base"/>
+            <a:r>
+              <a:rPr lang="en-IN" dirty="0" smtClean="0"/>
+              <a:t>Lazy Initialization</a:t>
+            </a:r>
+          </a:p>
+        </p:txBody>
+      </p:sp>
+    </p:spTree>
+  </p:cSld>
+  <p:clrMapOvr>
+    <a:masterClrMapping/>
+  </p:clrMapOvr>
+</p:sld>
+</file>
+
+<file path=ppt/slides/slide13.xml><?xml version="1.0" encoding="utf-8"?>
 <p:sld xmlns:a="http://schemas.openxmlformats.org/drawingml/2006/main" xmlns:r="http://schemas.openxmlformats.org/officeDocument/2006/relationships" xmlns:p="http://schemas.openxmlformats.org/presentationml/2006/main">
   <p:cSld>
     <p:spTree>
@@ -5138,7 +5257,7 @@
 </p:sld>
 </file>
 
-<file path=ppt/slides/slide13.xml><?xml version="1.0" encoding="utf-8"?>
+<file path=ppt/slides/slide14.xml><?xml version="1.0" encoding="utf-8"?>
 <p:sld xmlns:a="http://schemas.openxmlformats.org/drawingml/2006/main" xmlns:r="http://schemas.openxmlformats.org/officeDocument/2006/relationships" xmlns:p="http://schemas.openxmlformats.org/presentationml/2006/main">
   <p:cSld>
     <p:spTree>
@@ -5272,15 +5391,7 @@
           <a:p>
             <a:r>
               <a:rPr lang="en-IN" dirty="0" smtClean="0"/>
-              <a:t>When a class wants that its sub-classes specify the objects to be created</a:t>
-            </a:r>
-            <a:r>
-              <a:rPr lang="en-IN" dirty="0" smtClean="0"/>
-              <a:t>.</a:t>
-            </a:r>
-            <a:r>
-              <a:rPr lang="en-IN" dirty="0" smtClean="0"/>
-              <a:t/>
+              <a:t>When a class wants that its sub-classes specify the objects to be created.</a:t>
             </a:r>
             <a:br>
               <a:rPr lang="en-IN" dirty="0" smtClean="0"/>
@@ -5297,7 +5408,7 @@
 </p:sld>
 </file>
 
-<file path=ppt/slides/slide14.xml><?xml version="1.0" encoding="utf-8"?>
+<file path=ppt/slides/slide15.xml><?xml version="1.0" encoding="utf-8"?>
 <p:sld xmlns:a="http://schemas.openxmlformats.org/drawingml/2006/main" xmlns:r="http://schemas.openxmlformats.org/officeDocument/2006/relationships" xmlns:p="http://schemas.openxmlformats.org/presentationml/2006/main">
   <p:cSld>
     <p:spTree>
@@ -5374,7 +5485,7 @@
 </p:sld>
 </file>
 
-<file path=ppt/slides/slide15.xml><?xml version="1.0" encoding="utf-8"?>
+<file path=ppt/slides/slide16.xml><?xml version="1.0" encoding="utf-8"?>
 <p:sld xmlns:a="http://schemas.openxmlformats.org/drawingml/2006/main" xmlns:r="http://schemas.openxmlformats.org/officeDocument/2006/relationships" xmlns:p="http://schemas.openxmlformats.org/presentationml/2006/main">
   <p:cSld>
     <p:spTree>
@@ -5479,115 +5590,6 @@
 </p:sld>
 </file>
 
-<file path=ppt/slides/slide16.xml><?xml version="1.0" encoding="utf-8"?>
-<p:sld xmlns:a="http://schemas.openxmlformats.org/drawingml/2006/main" xmlns:r="http://schemas.openxmlformats.org/officeDocument/2006/relationships" xmlns:p="http://schemas.openxmlformats.org/presentationml/2006/main">
-  <p:cSld>
-    <p:spTree>
-      <p:nvGrpSpPr>
-        <p:cNvPr id="1" name=""/>
-        <p:cNvGrpSpPr/>
-        <p:nvPr/>
-      </p:nvGrpSpPr>
-      <p:grpSpPr>
-        <a:xfrm>
-          <a:off x="0" y="0"/>
-          <a:ext cx="0" cy="0"/>
-          <a:chOff x="0" y="0"/>
-          <a:chExt cx="0" cy="0"/>
-        </a:xfrm>
-      </p:grpSpPr>
-      <p:sp>
-        <p:nvSpPr>
-          <p:cNvPr id="2" name="Title 1"/>
-          <p:cNvSpPr>
-            <a:spLocks noGrp="1"/>
-          </p:cNvSpPr>
-          <p:nvPr>
-            <p:ph type="title"/>
-          </p:nvPr>
-        </p:nvSpPr>
-        <p:spPr/>
-        <p:txBody>
-          <a:bodyPr/>
-          <a:lstStyle/>
-          <a:p>
-            <a:r>
-              <a:rPr lang="en-IN" dirty="0" smtClean="0"/>
-              <a:t>Template Design Pattern</a:t>
-            </a:r>
-            <a:endParaRPr lang="en-IN" dirty="0"/>
-          </a:p>
-        </p:txBody>
-      </p:sp>
-      <p:sp>
-        <p:nvSpPr>
-          <p:cNvPr id="3" name="Content Placeholder 2"/>
-          <p:cNvSpPr>
-            <a:spLocks noGrp="1"/>
-          </p:cNvSpPr>
-          <p:nvPr>
-            <p:ph idx="1"/>
-          </p:nvPr>
-        </p:nvSpPr>
-        <p:spPr>
-          <a:xfrm>
-            <a:off x="1435608" y="1447800"/>
-            <a:ext cx="7498080" cy="1838324"/>
-          </a:xfrm>
-        </p:spPr>
-        <p:txBody>
-          <a:bodyPr/>
-          <a:lstStyle/>
-          <a:p>
-            <a:r>
-              <a:rPr lang="en-IN" dirty="0" smtClean="0"/>
-              <a:t>Template Design Pattern</a:t>
-            </a:r>
-            <a:endParaRPr lang="en-IN" dirty="0"/>
-          </a:p>
-        </p:txBody>
-      </p:sp>
-      <p:pic>
-        <p:nvPicPr>
-          <p:cNvPr id="2051" name="Picture 3"/>
-          <p:cNvPicPr>
-            <a:picLocks noChangeAspect="1" noChangeArrowheads="1"/>
-          </p:cNvPicPr>
-          <p:nvPr/>
-        </p:nvPicPr>
-        <p:blipFill>
-          <a:blip r:embed="rId2"/>
-          <a:srcRect/>
-          <a:stretch>
-            <a:fillRect/>
-          </a:stretch>
-        </p:blipFill>
-        <p:spPr bwMode="auto">
-          <a:xfrm>
-            <a:off x="1928794" y="3643314"/>
-            <a:ext cx="6429420" cy="3071834"/>
-          </a:xfrm>
-          <a:prstGeom prst="rect">
-            <a:avLst/>
-          </a:prstGeom>
-          <a:noFill/>
-          <a:ln w="9525">
-            <a:noFill/>
-            <a:miter lim="800000"/>
-            <a:headEnd/>
-            <a:tailEnd/>
-          </a:ln>
-          <a:effectLst/>
-        </p:spPr>
-      </p:pic>
-    </p:spTree>
-  </p:cSld>
-  <p:clrMapOvr>
-    <a:masterClrMapping/>
-  </p:clrMapOvr>
-</p:sld>
-</file>
-
 <file path=ppt/slides/slide17.xml><?xml version="1.0" encoding="utf-8"?>
 <p:sld xmlns:a="http://schemas.openxmlformats.org/drawingml/2006/main" xmlns:r="http://schemas.openxmlformats.org/officeDocument/2006/relationships" xmlns:p="http://schemas.openxmlformats.org/presentationml/2006/main">
   <p:cSld>
@@ -5673,11 +5675,7 @@
           <a:p>
             <a:r>
               <a:rPr lang="en-IN" dirty="0" smtClean="0"/>
-              <a:t>The main advantages of prototype pattern are as follows</a:t>
-            </a:r>
-            <a:r>
-              <a:rPr lang="en-IN" dirty="0" smtClean="0"/>
-              <a:t>:</a:t>
+              <a:t>The main advantages of prototype pattern are as follows:</a:t>
             </a:r>
           </a:p>
           <a:p>
@@ -5838,11 +5836,7 @@
           <a:p>
             <a:r>
               <a:rPr lang="en-IN" dirty="0" smtClean="0"/>
-              <a:t>Builder </a:t>
-            </a:r>
-            <a:r>
-              <a:rPr lang="en-IN" dirty="0" smtClean="0"/>
-              <a:t>Design Pattern.</a:t>
+              <a:t>Builder Design Pattern.</a:t>
             </a:r>
             <a:endParaRPr lang="en-IN" dirty="0"/>
           </a:p>
@@ -5998,29 +5992,55 @@
       </p:grpSpPr>
       <p:sp>
         <p:nvSpPr>
-          <p:cNvPr id="2" name="Title 1"/>
-          <p:cNvSpPr>
-            <a:spLocks noGrp="1"/>
-          </p:cNvSpPr>
-          <p:nvPr>
-            <p:ph type="title"/>
+          <p:cNvPr id="3" name="Content Placeholder 2"/>
+          <p:cNvSpPr>
+            <a:spLocks noGrp="1"/>
+          </p:cNvSpPr>
+          <p:nvPr>
+            <p:ph idx="1"/>
           </p:nvPr>
         </p:nvSpPr>
         <p:spPr>
           <a:xfrm>
-            <a:off x="1285852" y="2928934"/>
-            <a:ext cx="7498080" cy="1143000"/>
+            <a:off x="1435608" y="2143116"/>
+            <a:ext cx="7498080" cy="4105284"/>
           </a:xfrm>
         </p:spPr>
         <p:txBody>
           <a:bodyPr/>
           <a:lstStyle/>
           <a:p>
-            <a:r>
-              <a:rPr lang="en-IN" dirty="0" smtClean="0"/>
+            <a:pPr algn="ctr">
+              <a:buNone/>
+            </a:pPr>
+            <a:r>
+              <a:rPr lang="en-IN" b="1" dirty="0" smtClean="0"/>
               <a:t>Structural Design Pattern</a:t>
             </a:r>
-            <a:endParaRPr lang="en-IN" dirty="0"/>
+          </a:p>
+          <a:p>
+            <a:r>
+              <a:rPr lang="en-IN" sz="2000" dirty="0" smtClean="0"/>
+              <a:t>Structural design patterns are concerned with how classes and objects can be composed, to form larger structures.</a:t>
+            </a:r>
+          </a:p>
+          <a:p>
+            <a:r>
+              <a:rPr lang="en-IN" sz="2000" dirty="0" smtClean="0"/>
+              <a:t>The structural design patterns simplifies the structure by identifying the relationships.</a:t>
+            </a:r>
+          </a:p>
+          <a:p>
+            <a:r>
+              <a:rPr lang="en-IN" sz="2000" dirty="0" smtClean="0"/>
+              <a:t>These patterns focus on, how the classes inherit from each other and how they are composed from other classes.</a:t>
+            </a:r>
+          </a:p>
+          <a:p>
+            <a:pPr algn="ctr">
+              <a:buNone/>
+            </a:pPr>
+            <a:endParaRPr lang="en-IN" sz="2000" dirty="0"/>
           </a:p>
         </p:txBody>
       </p:sp>
@@ -6186,6 +6206,1285 @@
 </file>
 
 <file path=ppt/slides/slide22.xml><?xml version="1.0" encoding="utf-8"?>
+<p:sld xmlns:a="http://schemas.openxmlformats.org/drawingml/2006/main" xmlns:r="http://schemas.openxmlformats.org/officeDocument/2006/relationships" xmlns:p="http://schemas.openxmlformats.org/presentationml/2006/main">
+  <p:cSld>
+    <p:spTree>
+      <p:nvGrpSpPr>
+        <p:cNvPr id="1" name=""/>
+        <p:cNvGrpSpPr/>
+        <p:nvPr/>
+      </p:nvGrpSpPr>
+      <p:grpSpPr>
+        <a:xfrm>
+          <a:off x="0" y="0"/>
+          <a:ext cx="0" cy="0"/>
+          <a:chOff x="0" y="0"/>
+          <a:chExt cx="0" cy="0"/>
+        </a:xfrm>
+      </p:grpSpPr>
+      <p:sp>
+        <p:nvSpPr>
+          <p:cNvPr id="2" name="Title 1"/>
+          <p:cNvSpPr>
+            <a:spLocks noGrp="1"/>
+          </p:cNvSpPr>
+          <p:nvPr>
+            <p:ph type="title"/>
+          </p:nvPr>
+        </p:nvSpPr>
+        <p:spPr>
+          <a:xfrm>
+            <a:off x="1435608" y="274638"/>
+            <a:ext cx="7498080" cy="654032"/>
+          </a:xfrm>
+        </p:spPr>
+        <p:txBody>
+          <a:bodyPr>
+            <a:normAutofit fontScale="90000"/>
+          </a:bodyPr>
+          <a:lstStyle/>
+          <a:p>
+            <a:r>
+              <a:rPr lang="en-IN" dirty="0" smtClean="0"/>
+              <a:t>Composite Design Pattern</a:t>
+            </a:r>
+            <a:endParaRPr lang="en-IN" dirty="0"/>
+          </a:p>
+        </p:txBody>
+      </p:sp>
+      <p:sp>
+        <p:nvSpPr>
+          <p:cNvPr id="3" name="Content Placeholder 2"/>
+          <p:cNvSpPr>
+            <a:spLocks noGrp="1"/>
+          </p:cNvSpPr>
+          <p:nvPr>
+            <p:ph idx="1"/>
+          </p:nvPr>
+        </p:nvSpPr>
+        <p:spPr/>
+        <p:txBody>
+          <a:bodyPr>
+            <a:normAutofit fontScale="55000" lnSpcReduction="20000"/>
+          </a:bodyPr>
+          <a:lstStyle/>
+          <a:p>
+            <a:r>
+              <a:rPr lang="en-IN" dirty="0" smtClean="0"/>
+              <a:t>Composite pattern is one of the Structural design patterns and is used when we have to represent a part-whole </a:t>
+            </a:r>
+            <a:r>
+              <a:rPr lang="en-IN" dirty="0" smtClean="0"/>
+              <a:t>hierarchy</a:t>
+            </a:r>
+            <a:r>
+              <a:rPr lang="en-IN" dirty="0" smtClean="0"/>
+              <a:t> </a:t>
+            </a:r>
+            <a:r>
+              <a:rPr lang="en-IN" dirty="0" smtClean="0"/>
+              <a:t>as a tree structure. </a:t>
+            </a:r>
+            <a:r>
+              <a:rPr lang="en-IN" dirty="0" smtClean="0"/>
+              <a:t>When we need to create a structure in a way that the objects in the structure have to be treated the same way, we can apply the composite design pattern</a:t>
+            </a:r>
+            <a:r>
+              <a:rPr lang="en-IN" dirty="0" smtClean="0"/>
+              <a:t>.</a:t>
+            </a:r>
+          </a:p>
+          <a:p>
+            <a:endParaRPr lang="en-IN" dirty="0" smtClean="0"/>
+          </a:p>
+          <a:p>
+            <a:pPr>
+              <a:buNone/>
+            </a:pPr>
+            <a:r>
+              <a:rPr lang="en-IN" b="1" dirty="0" smtClean="0"/>
+              <a:t>Advantage of Composite Design Pattern</a:t>
+            </a:r>
+          </a:p>
+          <a:p>
+            <a:r>
+              <a:rPr lang="en-IN" dirty="0" smtClean="0"/>
+              <a:t>It defines class hierarchies that contain primitive and complex objects.</a:t>
+            </a:r>
+          </a:p>
+          <a:p>
+            <a:r>
+              <a:rPr lang="en-IN" dirty="0" smtClean="0"/>
+              <a:t>It makes easier to you to add new kinds of components.</a:t>
+            </a:r>
+          </a:p>
+          <a:p>
+            <a:r>
+              <a:rPr lang="en-IN" dirty="0" smtClean="0"/>
+              <a:t>It provides flexibility of structure with manageable class or interface</a:t>
+            </a:r>
+            <a:r>
+              <a:rPr lang="en-IN" dirty="0" smtClean="0"/>
+              <a:t>.</a:t>
+            </a:r>
+          </a:p>
+          <a:p>
+            <a:pPr>
+              <a:buNone/>
+            </a:pPr>
+            <a:endParaRPr lang="en-IN" dirty="0" smtClean="0"/>
+          </a:p>
+          <a:p>
+            <a:pPr>
+              <a:buNone/>
+            </a:pPr>
+            <a:r>
+              <a:rPr lang="en-IN" b="1" dirty="0" smtClean="0"/>
+              <a:t>Usage </a:t>
+            </a:r>
+            <a:r>
+              <a:rPr lang="en-IN" b="1" dirty="0" smtClean="0"/>
+              <a:t>of Composite Pattern</a:t>
+            </a:r>
+          </a:p>
+          <a:p>
+            <a:r>
+              <a:rPr lang="en-IN" dirty="0" smtClean="0"/>
+              <a:t>It is used:</a:t>
+            </a:r>
+          </a:p>
+          <a:p>
+            <a:r>
+              <a:rPr lang="en-IN" dirty="0" smtClean="0"/>
+              <a:t>When you want to represent a full or partial hierarchy of objects.</a:t>
+            </a:r>
+          </a:p>
+          <a:p>
+            <a:r>
+              <a:rPr lang="en-IN" dirty="0" smtClean="0"/>
+              <a:t>When the responsibilities are needed to be added dynamically to the individual objects without affecting other objects. Where the responsibility of object may vary from time to time.</a:t>
+            </a:r>
+          </a:p>
+          <a:p>
+            <a:pPr>
+              <a:buNone/>
+            </a:pPr>
+            <a:endParaRPr lang="en-IN" dirty="0" smtClean="0"/>
+          </a:p>
+          <a:p>
+            <a:endParaRPr lang="en-IN" dirty="0"/>
+          </a:p>
+        </p:txBody>
+      </p:sp>
+    </p:spTree>
+  </p:cSld>
+  <p:clrMapOvr>
+    <a:masterClrMapping/>
+  </p:clrMapOvr>
+</p:sld>
+</file>
+
+<file path=ppt/slides/slide23.xml><?xml version="1.0" encoding="utf-8"?>
+<p:sld xmlns:a="http://schemas.openxmlformats.org/drawingml/2006/main" xmlns:r="http://schemas.openxmlformats.org/officeDocument/2006/relationships" xmlns:p="http://schemas.openxmlformats.org/presentationml/2006/main">
+  <p:cSld>
+    <p:spTree>
+      <p:nvGrpSpPr>
+        <p:cNvPr id="1" name=""/>
+        <p:cNvGrpSpPr/>
+        <p:nvPr/>
+      </p:nvGrpSpPr>
+      <p:grpSpPr>
+        <a:xfrm>
+          <a:off x="0" y="0"/>
+          <a:ext cx="0" cy="0"/>
+          <a:chOff x="0" y="0"/>
+          <a:chExt cx="0" cy="0"/>
+        </a:xfrm>
+      </p:grpSpPr>
+      <p:pic>
+        <p:nvPicPr>
+          <p:cNvPr id="1027" name="Picture 3"/>
+          <p:cNvPicPr>
+            <a:picLocks noGrp="1" noChangeAspect="1" noChangeArrowheads="1"/>
+          </p:cNvPicPr>
+          <p:nvPr>
+            <p:ph idx="1"/>
+          </p:nvPr>
+        </p:nvPicPr>
+        <p:blipFill>
+          <a:blip r:embed="rId2"/>
+          <a:srcRect/>
+          <a:stretch>
+            <a:fillRect/>
+          </a:stretch>
+        </p:blipFill>
+        <p:spPr bwMode="auto">
+          <a:xfrm>
+            <a:off x="2312987" y="869156"/>
+            <a:ext cx="5743575" cy="4724400"/>
+          </a:xfrm>
+          <a:prstGeom prst="rect">
+            <a:avLst/>
+          </a:prstGeom>
+          <a:noFill/>
+          <a:ln w="9525">
+            <a:noFill/>
+            <a:miter lim="800000"/>
+            <a:headEnd/>
+            <a:tailEnd/>
+          </a:ln>
+          <a:effectLst/>
+        </p:spPr>
+      </p:pic>
+    </p:spTree>
+  </p:cSld>
+  <p:clrMapOvr>
+    <a:masterClrMapping/>
+  </p:clrMapOvr>
+</p:sld>
+</file>
+
+<file path=ppt/slides/slide24.xml><?xml version="1.0" encoding="utf-8"?>
+<p:sld xmlns:a="http://schemas.openxmlformats.org/drawingml/2006/main" xmlns:r="http://schemas.openxmlformats.org/officeDocument/2006/relationships" xmlns:p="http://schemas.openxmlformats.org/presentationml/2006/main">
+  <p:cSld>
+    <p:spTree>
+      <p:nvGrpSpPr>
+        <p:cNvPr id="1" name=""/>
+        <p:cNvGrpSpPr/>
+        <p:nvPr/>
+      </p:nvGrpSpPr>
+      <p:grpSpPr>
+        <a:xfrm>
+          <a:off x="0" y="0"/>
+          <a:ext cx="0" cy="0"/>
+          <a:chOff x="0" y="0"/>
+          <a:chExt cx="0" cy="0"/>
+        </a:xfrm>
+      </p:grpSpPr>
+      <p:sp>
+        <p:nvSpPr>
+          <p:cNvPr id="2" name="Title 1"/>
+          <p:cNvSpPr>
+            <a:spLocks noGrp="1"/>
+          </p:cNvSpPr>
+          <p:nvPr>
+            <p:ph type="title"/>
+          </p:nvPr>
+        </p:nvSpPr>
+        <p:spPr>
+          <a:xfrm>
+            <a:off x="1435608" y="274638"/>
+            <a:ext cx="7498080" cy="654032"/>
+          </a:xfrm>
+        </p:spPr>
+        <p:txBody>
+          <a:bodyPr>
+            <a:normAutofit fontScale="90000"/>
+          </a:bodyPr>
+          <a:lstStyle/>
+          <a:p>
+            <a:r>
+              <a:rPr lang="en-IN" dirty="0" smtClean="0"/>
+              <a:t>Bridge Pattern</a:t>
+            </a:r>
+            <a:br>
+              <a:rPr lang="en-IN" dirty="0" smtClean="0"/>
+            </a:br>
+            <a:endParaRPr lang="en-IN" dirty="0"/>
+          </a:p>
+        </p:txBody>
+      </p:sp>
+      <p:sp>
+        <p:nvSpPr>
+          <p:cNvPr id="3" name="Content Placeholder 2"/>
+          <p:cNvSpPr>
+            <a:spLocks noGrp="1"/>
+          </p:cNvSpPr>
+          <p:nvPr>
+            <p:ph idx="1"/>
+          </p:nvPr>
+        </p:nvSpPr>
+        <p:spPr>
+          <a:xfrm>
+            <a:off x="1435608" y="714356"/>
+            <a:ext cx="7498080" cy="5534044"/>
+          </a:xfrm>
+        </p:spPr>
+        <p:txBody>
+          <a:bodyPr>
+            <a:normAutofit fontScale="70000" lnSpcReduction="20000"/>
+          </a:bodyPr>
+          <a:lstStyle/>
+          <a:p>
+            <a:r>
+              <a:rPr lang="en-IN" dirty="0" smtClean="0"/>
+              <a:t>A Bridge Pattern says that just </a:t>
+            </a:r>
+            <a:r>
+              <a:rPr lang="en-IN" b="1" dirty="0" smtClean="0"/>
+              <a:t>"decouple the functional abstraction from the implementation so that the two can vary independently".</a:t>
+            </a:r>
+            <a:endParaRPr lang="en-IN" dirty="0" smtClean="0"/>
+          </a:p>
+          <a:p>
+            <a:r>
+              <a:rPr lang="en-IN" dirty="0" smtClean="0"/>
+              <a:t>The Bridge Pattern is also known as </a:t>
+            </a:r>
+            <a:r>
+              <a:rPr lang="en-IN" b="1" dirty="0" smtClean="0"/>
+              <a:t>Handle or Body.</a:t>
+            </a:r>
+            <a:endParaRPr lang="en-IN" dirty="0" smtClean="0"/>
+          </a:p>
+          <a:p>
+            <a:pPr>
+              <a:buNone/>
+            </a:pPr>
+            <a:r>
+              <a:rPr lang="en-IN" b="1" dirty="0" smtClean="0"/>
+              <a:t>Advantage of Bridge Pattern</a:t>
+            </a:r>
+          </a:p>
+          <a:p>
+            <a:r>
+              <a:rPr lang="en-IN" dirty="0" smtClean="0"/>
+              <a:t>It enables the separation of implementation from the interface.</a:t>
+            </a:r>
+          </a:p>
+          <a:p>
+            <a:r>
+              <a:rPr lang="en-IN" dirty="0" smtClean="0"/>
+              <a:t>It improves the extensibility.</a:t>
+            </a:r>
+          </a:p>
+          <a:p>
+            <a:r>
+              <a:rPr lang="en-IN" dirty="0" smtClean="0"/>
+              <a:t>It allows the hiding of implementation details from the client.</a:t>
+            </a:r>
+          </a:p>
+          <a:p>
+            <a:pPr>
+              <a:buNone/>
+            </a:pPr>
+            <a:r>
+              <a:rPr lang="en-IN" b="1" dirty="0" smtClean="0"/>
+              <a:t>Usage of Bridge Pattern</a:t>
+            </a:r>
+          </a:p>
+          <a:p>
+            <a:r>
+              <a:rPr lang="en-IN" dirty="0" smtClean="0"/>
+              <a:t>When you don't want a permanent binding between the functional abstraction and its implementation.</a:t>
+            </a:r>
+          </a:p>
+          <a:p>
+            <a:r>
+              <a:rPr lang="en-IN" dirty="0" smtClean="0"/>
+              <a:t>When both the functional abstraction and its implementation need to extended using sub-classes.</a:t>
+            </a:r>
+          </a:p>
+          <a:p>
+            <a:r>
+              <a:rPr lang="en-IN" dirty="0" smtClean="0"/>
+              <a:t>It is mostly used in those places where changes are made in the implementation does not affect the clients.</a:t>
+            </a:r>
+          </a:p>
+          <a:p>
+            <a:endParaRPr lang="en-IN" dirty="0"/>
+          </a:p>
+        </p:txBody>
+      </p:sp>
+    </p:spTree>
+  </p:cSld>
+  <p:clrMapOvr>
+    <a:masterClrMapping/>
+  </p:clrMapOvr>
+</p:sld>
+</file>
+
+<file path=ppt/slides/slide25.xml><?xml version="1.0" encoding="utf-8"?>
+<p:sld xmlns:a="http://schemas.openxmlformats.org/drawingml/2006/main" xmlns:r="http://schemas.openxmlformats.org/officeDocument/2006/relationships" xmlns:p="http://schemas.openxmlformats.org/presentationml/2006/main">
+  <p:cSld>
+    <p:spTree>
+      <p:nvGrpSpPr>
+        <p:cNvPr id="1" name=""/>
+        <p:cNvGrpSpPr/>
+        <p:nvPr/>
+      </p:nvGrpSpPr>
+      <p:grpSpPr>
+        <a:xfrm>
+          <a:off x="0" y="0"/>
+          <a:ext cx="0" cy="0"/>
+          <a:chOff x="0" y="0"/>
+          <a:chExt cx="0" cy="0"/>
+        </a:xfrm>
+      </p:grpSpPr>
+      <p:pic>
+        <p:nvPicPr>
+          <p:cNvPr id="2050" name="Picture 2"/>
+          <p:cNvPicPr>
+            <a:picLocks noGrp="1" noChangeAspect="1" noChangeArrowheads="1"/>
+          </p:cNvPicPr>
+          <p:nvPr>
+            <p:ph idx="1"/>
+          </p:nvPr>
+        </p:nvPicPr>
+        <p:blipFill>
+          <a:blip r:embed="rId2"/>
+          <a:srcRect/>
+          <a:stretch>
+            <a:fillRect/>
+          </a:stretch>
+        </p:blipFill>
+        <p:spPr bwMode="auto">
+          <a:xfrm>
+            <a:off x="1857356" y="642918"/>
+            <a:ext cx="5701007" cy="5605482"/>
+          </a:xfrm>
+          <a:prstGeom prst="rect">
+            <a:avLst/>
+          </a:prstGeom>
+          <a:noFill/>
+          <a:ln w="9525">
+            <a:noFill/>
+            <a:miter lim="800000"/>
+            <a:headEnd/>
+            <a:tailEnd/>
+          </a:ln>
+          <a:effectLst/>
+        </p:spPr>
+      </p:pic>
+    </p:spTree>
+  </p:cSld>
+  <p:clrMapOvr>
+    <a:masterClrMapping/>
+  </p:clrMapOvr>
+</p:sld>
+</file>
+
+<file path=ppt/slides/slide26.xml><?xml version="1.0" encoding="utf-8"?>
+<p:sld xmlns:a="http://schemas.openxmlformats.org/drawingml/2006/main" xmlns:r="http://schemas.openxmlformats.org/officeDocument/2006/relationships" xmlns:p="http://schemas.openxmlformats.org/presentationml/2006/main">
+  <p:cSld>
+    <p:spTree>
+      <p:nvGrpSpPr>
+        <p:cNvPr id="1" name=""/>
+        <p:cNvGrpSpPr/>
+        <p:nvPr/>
+      </p:nvGrpSpPr>
+      <p:grpSpPr>
+        <a:xfrm>
+          <a:off x="0" y="0"/>
+          <a:ext cx="0" cy="0"/>
+          <a:chOff x="0" y="0"/>
+          <a:chExt cx="0" cy="0"/>
+        </a:xfrm>
+      </p:grpSpPr>
+      <p:sp>
+        <p:nvSpPr>
+          <p:cNvPr id="3" name="Content Placeholder 2"/>
+          <p:cNvSpPr>
+            <a:spLocks noGrp="1"/>
+          </p:cNvSpPr>
+          <p:nvPr>
+            <p:ph idx="1"/>
+          </p:nvPr>
+        </p:nvSpPr>
+        <p:spPr>
+          <a:xfrm>
+            <a:off x="1435608" y="1857364"/>
+            <a:ext cx="7498080" cy="4391036"/>
+          </a:xfrm>
+        </p:spPr>
+        <p:txBody>
+          <a:bodyPr>
+            <a:normAutofit/>
+          </a:bodyPr>
+          <a:lstStyle/>
+          <a:p>
+            <a:pPr algn="ctr">
+              <a:buNone/>
+            </a:pPr>
+            <a:r>
+              <a:rPr lang="en-IN" b="1" dirty="0" smtClean="0"/>
+              <a:t>Behavioural Design Pattern</a:t>
+            </a:r>
+          </a:p>
+          <a:p>
+            <a:r>
+              <a:rPr lang="en-IN" sz="2000" dirty="0" smtClean="0"/>
+              <a:t>Behavioural </a:t>
+            </a:r>
+            <a:r>
+              <a:rPr lang="en-IN" sz="2000" dirty="0" smtClean="0"/>
+              <a:t>design patterns are concerned with the interaction and responsibility of objects.</a:t>
+            </a:r>
+          </a:p>
+          <a:p>
+            <a:r>
+              <a:rPr lang="en-IN" sz="2000" dirty="0" smtClean="0"/>
+              <a:t>In these design patterns</a:t>
+            </a:r>
+            <a:r>
+              <a:rPr lang="en-IN" sz="2000" dirty="0" smtClean="0"/>
+              <a:t>, the </a:t>
+            </a:r>
+            <a:r>
+              <a:rPr lang="en-IN" sz="2000" dirty="0" smtClean="0"/>
+              <a:t>interaction between the objects should be in such a way that they can easily talk to each other and still should be loosely coupled.</a:t>
+            </a:r>
+          </a:p>
+          <a:p>
+            <a:pPr algn="ctr">
+              <a:buNone/>
+            </a:pPr>
+            <a:endParaRPr lang="en-IN" b="1" dirty="0"/>
+          </a:p>
+        </p:txBody>
+      </p:sp>
+    </p:spTree>
+  </p:cSld>
+  <p:clrMapOvr>
+    <a:masterClrMapping/>
+  </p:clrMapOvr>
+</p:sld>
+</file>
+
+<file path=ppt/slides/slide27.xml><?xml version="1.0" encoding="utf-8"?>
+<p:sld xmlns:a="http://schemas.openxmlformats.org/drawingml/2006/main" xmlns:r="http://schemas.openxmlformats.org/officeDocument/2006/relationships" xmlns:p="http://schemas.openxmlformats.org/presentationml/2006/main">
+  <p:cSld>
+    <p:spTree>
+      <p:nvGrpSpPr>
+        <p:cNvPr id="1" name=""/>
+        <p:cNvGrpSpPr/>
+        <p:nvPr/>
+      </p:nvGrpSpPr>
+      <p:grpSpPr>
+        <a:xfrm>
+          <a:off x="0" y="0"/>
+          <a:ext cx="0" cy="0"/>
+          <a:chOff x="0" y="0"/>
+          <a:chExt cx="0" cy="0"/>
+        </a:xfrm>
+      </p:grpSpPr>
+      <p:sp>
+        <p:nvSpPr>
+          <p:cNvPr id="2" name="Title 1"/>
+          <p:cNvSpPr>
+            <a:spLocks noGrp="1"/>
+          </p:cNvSpPr>
+          <p:nvPr>
+            <p:ph type="title"/>
+          </p:nvPr>
+        </p:nvSpPr>
+        <p:spPr>
+          <a:xfrm>
+            <a:off x="1435608" y="274638"/>
+            <a:ext cx="7498080" cy="439718"/>
+          </a:xfrm>
+        </p:spPr>
+        <p:txBody>
+          <a:bodyPr>
+            <a:normAutofit fontScale="90000"/>
+          </a:bodyPr>
+          <a:lstStyle/>
+          <a:p>
+            <a:r>
+              <a:rPr lang="en-IN" dirty="0" smtClean="0"/>
+              <a:t>Chain Of Responsibility</a:t>
+            </a:r>
+            <a:endParaRPr lang="en-IN" dirty="0"/>
+          </a:p>
+        </p:txBody>
+      </p:sp>
+      <p:sp>
+        <p:nvSpPr>
+          <p:cNvPr id="3" name="Content Placeholder 2"/>
+          <p:cNvSpPr>
+            <a:spLocks noGrp="1"/>
+          </p:cNvSpPr>
+          <p:nvPr>
+            <p:ph idx="1"/>
+          </p:nvPr>
+        </p:nvSpPr>
+        <p:spPr>
+          <a:xfrm>
+            <a:off x="1435608" y="928670"/>
+            <a:ext cx="7498080" cy="5319730"/>
+          </a:xfrm>
+        </p:spPr>
+        <p:txBody>
+          <a:bodyPr>
+            <a:normAutofit fontScale="55000" lnSpcReduction="20000"/>
+          </a:bodyPr>
+          <a:lstStyle/>
+          <a:p>
+            <a:r>
+              <a:rPr lang="en-IN" dirty="0" smtClean="0"/>
+              <a:t>In chain of responsibility, sender sends a request to a chain of objects. The request can be handled by any object in the chain.</a:t>
+            </a:r>
+          </a:p>
+          <a:p>
+            <a:r>
+              <a:rPr lang="en-IN" dirty="0" smtClean="0"/>
+              <a:t>A Chain of Responsibility Pattern says that just </a:t>
+            </a:r>
+            <a:r>
+              <a:rPr lang="en-IN" b="1" dirty="0" smtClean="0"/>
+              <a:t>"avoid coupling the sender of a request to its receiver by giving multiple objects a chance to handle the request".</a:t>
+            </a:r>
+            <a:r>
+              <a:rPr lang="en-IN" dirty="0" smtClean="0"/>
+              <a:t> For example, an ATM uses the Chain of Responsibility design pattern in money giving process.</a:t>
+            </a:r>
+          </a:p>
+          <a:p>
+            <a:r>
+              <a:rPr lang="en-IN" dirty="0" smtClean="0"/>
+              <a:t>In other words, we can say that normally each receiver contains reference of another receiver. If one object cannot handle the request then it passes the same to the next receiver and so on.</a:t>
+            </a:r>
+          </a:p>
+          <a:p>
+            <a:pPr>
+              <a:buNone/>
+            </a:pPr>
+            <a:r>
+              <a:rPr lang="en-IN" b="1" dirty="0" smtClean="0"/>
+              <a:t>Advantage of Chain of Responsibility Pattern</a:t>
+            </a:r>
+          </a:p>
+          <a:p>
+            <a:r>
+              <a:rPr lang="en-IN" dirty="0" smtClean="0"/>
+              <a:t>It reduces the coupling.</a:t>
+            </a:r>
+          </a:p>
+          <a:p>
+            <a:r>
+              <a:rPr lang="en-IN" dirty="0" smtClean="0"/>
+              <a:t>It adds flexibility while assigning the responsibilities to objects.</a:t>
+            </a:r>
+          </a:p>
+          <a:p>
+            <a:r>
+              <a:rPr lang="en-IN" dirty="0" smtClean="0"/>
+              <a:t>It allows a set of classes to act as one; events produced in one class can be sent to other handler classes with the help of composition.</a:t>
+            </a:r>
+          </a:p>
+          <a:p>
+            <a:pPr>
+              <a:buNone/>
+            </a:pPr>
+            <a:r>
+              <a:rPr lang="en-IN" b="1" dirty="0" smtClean="0"/>
+              <a:t>Usage of Chain of Responsibility Pattern:</a:t>
+            </a:r>
+          </a:p>
+          <a:p>
+            <a:r>
+              <a:rPr lang="en-IN" dirty="0" smtClean="0"/>
+              <a:t>When </a:t>
+            </a:r>
+            <a:r>
+              <a:rPr lang="en-IN" dirty="0" smtClean="0"/>
+              <a:t>more than one object can handle a request and the handler is unknown.</a:t>
+            </a:r>
+          </a:p>
+          <a:p>
+            <a:r>
+              <a:rPr lang="en-IN" dirty="0" smtClean="0"/>
+              <a:t>When the group of objects that can handle the request must be specified in dynamic way.</a:t>
+            </a:r>
+          </a:p>
+          <a:p>
+            <a:pPr>
+              <a:buNone/>
+            </a:pPr>
+            <a:endParaRPr lang="en-IN" dirty="0"/>
+          </a:p>
+        </p:txBody>
+      </p:sp>
+    </p:spTree>
+  </p:cSld>
+  <p:clrMapOvr>
+    <a:masterClrMapping/>
+  </p:clrMapOvr>
+</p:sld>
+</file>
+
+<file path=ppt/slides/slide28.xml><?xml version="1.0" encoding="utf-8"?>
+<p:sld xmlns:a="http://schemas.openxmlformats.org/drawingml/2006/main" xmlns:r="http://schemas.openxmlformats.org/officeDocument/2006/relationships" xmlns:p="http://schemas.openxmlformats.org/presentationml/2006/main">
+  <p:cSld>
+    <p:spTree>
+      <p:nvGrpSpPr>
+        <p:cNvPr id="1" name=""/>
+        <p:cNvGrpSpPr/>
+        <p:nvPr/>
+      </p:nvGrpSpPr>
+      <p:grpSpPr>
+        <a:xfrm>
+          <a:off x="0" y="0"/>
+          <a:ext cx="0" cy="0"/>
+          <a:chOff x="0" y="0"/>
+          <a:chExt cx="0" cy="0"/>
+        </a:xfrm>
+      </p:grpSpPr>
+      <p:pic>
+        <p:nvPicPr>
+          <p:cNvPr id="3074" name="Picture 2"/>
+          <p:cNvPicPr>
+            <a:picLocks noGrp="1" noChangeAspect="1" noChangeArrowheads="1"/>
+          </p:cNvPicPr>
+          <p:nvPr>
+            <p:ph idx="1"/>
+          </p:nvPr>
+        </p:nvPicPr>
+        <p:blipFill>
+          <a:blip r:embed="rId2"/>
+          <a:srcRect/>
+          <a:stretch>
+            <a:fillRect/>
+          </a:stretch>
+        </p:blipFill>
+        <p:spPr bwMode="auto">
+          <a:xfrm>
+            <a:off x="1803400" y="1266825"/>
+            <a:ext cx="6762750" cy="4000500"/>
+          </a:xfrm>
+          <a:prstGeom prst="rect">
+            <a:avLst/>
+          </a:prstGeom>
+          <a:noFill/>
+          <a:ln w="9525">
+            <a:noFill/>
+            <a:miter lim="800000"/>
+            <a:headEnd/>
+            <a:tailEnd/>
+          </a:ln>
+          <a:effectLst/>
+        </p:spPr>
+      </p:pic>
+    </p:spTree>
+  </p:cSld>
+  <p:clrMapOvr>
+    <a:masterClrMapping/>
+  </p:clrMapOvr>
+</p:sld>
+</file>
+
+<file path=ppt/slides/slide29.xml><?xml version="1.0" encoding="utf-8"?>
+<p:sld xmlns:a="http://schemas.openxmlformats.org/drawingml/2006/main" xmlns:r="http://schemas.openxmlformats.org/officeDocument/2006/relationships" xmlns:p="http://schemas.openxmlformats.org/presentationml/2006/main">
+  <p:cSld>
+    <p:spTree>
+      <p:nvGrpSpPr>
+        <p:cNvPr id="1" name=""/>
+        <p:cNvGrpSpPr/>
+        <p:nvPr/>
+      </p:nvGrpSpPr>
+      <p:grpSpPr>
+        <a:xfrm>
+          <a:off x="0" y="0"/>
+          <a:ext cx="0" cy="0"/>
+          <a:chOff x="0" y="0"/>
+          <a:chExt cx="0" cy="0"/>
+        </a:xfrm>
+      </p:grpSpPr>
+      <p:sp>
+        <p:nvSpPr>
+          <p:cNvPr id="2" name="Title 1"/>
+          <p:cNvSpPr>
+            <a:spLocks noGrp="1"/>
+          </p:cNvSpPr>
+          <p:nvPr>
+            <p:ph type="title"/>
+          </p:nvPr>
+        </p:nvSpPr>
+        <p:spPr/>
+        <p:txBody>
+          <a:bodyPr/>
+          <a:lstStyle/>
+          <a:p>
+            <a:r>
+              <a:rPr lang="en-IN" dirty="0" smtClean="0"/>
+              <a:t>Template Design Pattern</a:t>
+            </a:r>
+            <a:endParaRPr lang="en-IN" dirty="0"/>
+          </a:p>
+        </p:txBody>
+      </p:sp>
+      <p:sp>
+        <p:nvSpPr>
+          <p:cNvPr id="3" name="Content Placeholder 2"/>
+          <p:cNvSpPr>
+            <a:spLocks noGrp="1"/>
+          </p:cNvSpPr>
+          <p:nvPr>
+            <p:ph idx="1"/>
+          </p:nvPr>
+        </p:nvSpPr>
+        <p:spPr>
+          <a:xfrm>
+            <a:off x="1435608" y="1447800"/>
+            <a:ext cx="7498080" cy="1838324"/>
+          </a:xfrm>
+        </p:spPr>
+        <p:txBody>
+          <a:bodyPr/>
+          <a:lstStyle/>
+          <a:p>
+            <a:r>
+              <a:rPr lang="en-IN" dirty="0" smtClean="0"/>
+              <a:t>Template Design Pattern</a:t>
+            </a:r>
+            <a:endParaRPr lang="en-IN" dirty="0"/>
+          </a:p>
+        </p:txBody>
+      </p:sp>
+      <p:pic>
+        <p:nvPicPr>
+          <p:cNvPr id="2051" name="Picture 3"/>
+          <p:cNvPicPr>
+            <a:picLocks noChangeAspect="1" noChangeArrowheads="1"/>
+          </p:cNvPicPr>
+          <p:nvPr/>
+        </p:nvPicPr>
+        <p:blipFill>
+          <a:blip r:embed="rId2"/>
+          <a:srcRect/>
+          <a:stretch>
+            <a:fillRect/>
+          </a:stretch>
+        </p:blipFill>
+        <p:spPr bwMode="auto">
+          <a:xfrm>
+            <a:off x="1928794" y="3643314"/>
+            <a:ext cx="6429420" cy="3071834"/>
+          </a:xfrm>
+          <a:prstGeom prst="rect">
+            <a:avLst/>
+          </a:prstGeom>
+          <a:noFill/>
+          <a:ln w="9525">
+            <a:noFill/>
+            <a:miter lim="800000"/>
+            <a:headEnd/>
+            <a:tailEnd/>
+          </a:ln>
+          <a:effectLst/>
+        </p:spPr>
+      </p:pic>
+    </p:spTree>
+  </p:cSld>
+  <p:clrMapOvr>
+    <a:masterClrMapping/>
+  </p:clrMapOvr>
+</p:sld>
+</file>
+
+<file path=ppt/slides/slide3.xml><?xml version="1.0" encoding="utf-8"?>
+<p:sld xmlns:a="http://schemas.openxmlformats.org/drawingml/2006/main" xmlns:r="http://schemas.openxmlformats.org/officeDocument/2006/relationships" xmlns:p="http://schemas.openxmlformats.org/presentationml/2006/main">
+  <p:cSld>
+    <p:spTree>
+      <p:nvGrpSpPr>
+        <p:cNvPr id="1" name=""/>
+        <p:cNvGrpSpPr/>
+        <p:nvPr/>
+      </p:nvGrpSpPr>
+      <p:grpSpPr>
+        <a:xfrm>
+          <a:off x="0" y="0"/>
+          <a:ext cx="0" cy="0"/>
+          <a:chOff x="0" y="0"/>
+          <a:chExt cx="0" cy="0"/>
+        </a:xfrm>
+      </p:grpSpPr>
+      <p:sp>
+        <p:nvSpPr>
+          <p:cNvPr id="2" name="Title 1"/>
+          <p:cNvSpPr>
+            <a:spLocks noGrp="1"/>
+          </p:cNvSpPr>
+          <p:nvPr>
+            <p:ph type="title"/>
+          </p:nvPr>
+        </p:nvSpPr>
+        <p:spPr>
+          <a:xfrm>
+            <a:off x="1428728" y="214290"/>
+            <a:ext cx="7498080" cy="571504"/>
+          </a:xfrm>
+        </p:spPr>
+        <p:txBody>
+          <a:bodyPr>
+            <a:normAutofit fontScale="90000"/>
+          </a:bodyPr>
+          <a:lstStyle/>
+          <a:p>
+            <a:r>
+              <a:rPr lang="en-IN" dirty="0" smtClean="0"/>
+              <a:t>Design Pattern an overview.</a:t>
+            </a:r>
+            <a:endParaRPr lang="en-IN" dirty="0"/>
+          </a:p>
+        </p:txBody>
+      </p:sp>
+      <p:sp>
+        <p:nvSpPr>
+          <p:cNvPr id="3" name="Content Placeholder 2"/>
+          <p:cNvSpPr>
+            <a:spLocks noGrp="1"/>
+          </p:cNvSpPr>
+          <p:nvPr>
+            <p:ph idx="1"/>
+          </p:nvPr>
+        </p:nvSpPr>
+        <p:spPr>
+          <a:xfrm>
+            <a:off x="1435608" y="1142984"/>
+            <a:ext cx="7498080" cy="5429288"/>
+          </a:xfrm>
+        </p:spPr>
+        <p:txBody>
+          <a:bodyPr>
+            <a:normAutofit fontScale="55000" lnSpcReduction="20000"/>
+          </a:bodyPr>
+          <a:lstStyle/>
+          <a:p>
+            <a:r>
+              <a:rPr lang="en-IN" dirty="0" smtClean="0"/>
+              <a:t>A developer writing codes to develop a software using any programming language. When we are developing a software, we face lots of problems and some of the problems are very common and faced by lots of developers. </a:t>
+            </a:r>
+          </a:p>
+          <a:p>
+            <a:r>
+              <a:rPr lang="en-IN" dirty="0" smtClean="0"/>
+              <a:t>What if, we have common problem and can we solve it and have a common solution of it and can anybody use it who face the same type of problem.  The solution is like a conceptual solution (not related to domain problems like banking domain, ecommerce domain or any social networking domain) that can be followed by other developers faced with same problem, we can think as it a set of guide lines that followed by developers to overcome the common problem. In simple terms we can call it as a best practices defined for developing a software.</a:t>
+            </a:r>
+          </a:p>
+          <a:p>
+            <a:r>
+              <a:rPr lang="en-IN" dirty="0" smtClean="0"/>
+              <a:t>In software industry we have a group of professional who provide set of guide lines to overcome the common problems what we called as best practices and these best practices we technically called as design patterns.</a:t>
+            </a:r>
+          </a:p>
+          <a:p>
+            <a:r>
+              <a:rPr lang="en-IN" dirty="0" smtClean="0"/>
+              <a:t>In 1994 there are group of 4 peoples who first introduces the set of best practices to provide the common solutions for the common reoccurring problems called design pattern, who are known as </a:t>
+            </a:r>
+            <a:r>
+              <a:rPr lang="en-IN" dirty="0" err="1" smtClean="0"/>
+              <a:t>GoF</a:t>
+            </a:r>
+            <a:r>
+              <a:rPr lang="en-IN" dirty="0" smtClean="0"/>
+              <a:t> (Gang of four) and the set of guide lines introduces by them called as </a:t>
+            </a:r>
+            <a:r>
+              <a:rPr lang="en-IN" dirty="0" err="1" smtClean="0"/>
+              <a:t>GoF</a:t>
+            </a:r>
+            <a:r>
+              <a:rPr lang="en-IN" dirty="0" smtClean="0"/>
+              <a:t> design patterns.</a:t>
+            </a:r>
+          </a:p>
+          <a:p>
+            <a:endParaRPr lang="en-IN" dirty="0" smtClean="0"/>
+          </a:p>
+          <a:p>
+            <a:pPr>
+              <a:buNone/>
+            </a:pPr>
+            <a:r>
+              <a:rPr lang="en-IN" dirty="0" smtClean="0"/>
+              <a:t>We are following the design patterns while writing codes more or less, knowingly or unknowingly like in every coding language and in every project we have a set of best practices guide line. </a:t>
+            </a:r>
+          </a:p>
+        </p:txBody>
+      </p:sp>
+    </p:spTree>
+  </p:cSld>
+  <p:clrMapOvr>
+    <a:masterClrMapping/>
+  </p:clrMapOvr>
+</p:sld>
+</file>
+
+<file path=ppt/slides/slide30.xml><?xml version="1.0" encoding="utf-8"?>
+<p:sld xmlns:a="http://schemas.openxmlformats.org/drawingml/2006/main" xmlns:r="http://schemas.openxmlformats.org/officeDocument/2006/relationships" xmlns:p="http://schemas.openxmlformats.org/presentationml/2006/main">
+  <p:cSld>
+    <p:spTree>
+      <p:nvGrpSpPr>
+        <p:cNvPr id="1" name=""/>
+        <p:cNvGrpSpPr/>
+        <p:nvPr/>
+      </p:nvGrpSpPr>
+      <p:grpSpPr>
+        <a:xfrm>
+          <a:off x="0" y="0"/>
+          <a:ext cx="0" cy="0"/>
+          <a:chOff x="0" y="0"/>
+          <a:chExt cx="0" cy="0"/>
+        </a:xfrm>
+      </p:grpSpPr>
+      <p:sp>
+        <p:nvSpPr>
+          <p:cNvPr id="3" name="Content Placeholder 2"/>
+          <p:cNvSpPr>
+            <a:spLocks noGrp="1"/>
+          </p:cNvSpPr>
+          <p:nvPr>
+            <p:ph idx="1"/>
+          </p:nvPr>
+        </p:nvSpPr>
+        <p:spPr>
+          <a:xfrm>
+            <a:off x="1435608" y="642918"/>
+            <a:ext cx="7498080" cy="5605482"/>
+          </a:xfrm>
+        </p:spPr>
+        <p:txBody>
+          <a:bodyPr>
+            <a:normAutofit fontScale="92500" lnSpcReduction="10000"/>
+          </a:bodyPr>
+          <a:lstStyle/>
+          <a:p>
+            <a:pPr>
+              <a:buNone/>
+            </a:pPr>
+            <a:r>
+              <a:rPr lang="en-IN" dirty="0" smtClean="0">
+                <a:solidFill>
+                  <a:schemeClr val="tx1">
+                    <a:lumMod val="95000"/>
+                    <a:lumOff val="5000"/>
+                  </a:schemeClr>
+                </a:solidFill>
+              </a:rPr>
+              <a:t>Design Principles</a:t>
+            </a:r>
+          </a:p>
+          <a:p>
+            <a:pPr>
+              <a:buNone/>
+            </a:pPr>
+            <a:r>
+              <a:rPr lang="en-IN" dirty="0" smtClean="0">
+                <a:solidFill>
+                  <a:schemeClr val="tx1">
+                    <a:lumMod val="95000"/>
+                    <a:lumOff val="5000"/>
+                  </a:schemeClr>
+                </a:solidFill>
+              </a:rPr>
+              <a:t>The Object-Oriented Design Principles</a:t>
+            </a:r>
+            <a:r>
+              <a:rPr lang="en-IN" b="1" dirty="0" smtClean="0">
+                <a:solidFill>
+                  <a:schemeClr val="tx1">
+                    <a:lumMod val="95000"/>
+                    <a:lumOff val="5000"/>
+                  </a:schemeClr>
+                </a:solidFill>
+              </a:rPr>
+              <a:t> </a:t>
+            </a:r>
+            <a:r>
+              <a:rPr lang="en-IN" dirty="0" smtClean="0">
+                <a:solidFill>
+                  <a:schemeClr val="tx1">
+                    <a:lumMod val="95000"/>
+                    <a:lumOff val="5000"/>
+                  </a:schemeClr>
+                </a:solidFill>
+              </a:rPr>
+              <a:t>are the core of OOP </a:t>
+            </a:r>
+            <a:r>
+              <a:rPr lang="en-IN" dirty="0" smtClean="0">
+                <a:solidFill>
+                  <a:schemeClr val="tx1">
+                    <a:lumMod val="95000"/>
+                    <a:lumOff val="5000"/>
+                  </a:schemeClr>
+                </a:solidFill>
+              </a:rPr>
+              <a:t>programming,</a:t>
+            </a:r>
+          </a:p>
+          <a:p>
+            <a:pPr>
+              <a:buNone/>
+            </a:pPr>
+            <a:r>
+              <a:rPr lang="en-IN" dirty="0" smtClean="0">
+                <a:solidFill>
+                  <a:schemeClr val="tx1">
+                    <a:lumMod val="95000"/>
+                    <a:lumOff val="5000"/>
+                  </a:schemeClr>
+                </a:solidFill>
+              </a:rPr>
+              <a:t>It's </a:t>
+            </a:r>
+            <a:r>
+              <a:rPr lang="en-IN" dirty="0" smtClean="0">
+                <a:solidFill>
+                  <a:schemeClr val="tx1">
+                    <a:lumMod val="95000"/>
+                    <a:lumOff val="5000"/>
+                  </a:schemeClr>
+                </a:solidFill>
+              </a:rPr>
+              <a:t>important to learn the basics of Object-oriented programming </a:t>
+            </a:r>
+            <a:r>
+              <a:rPr lang="en-IN" dirty="0" smtClean="0">
+                <a:solidFill>
+                  <a:schemeClr val="tx1">
+                    <a:lumMod val="95000"/>
+                    <a:lumOff val="5000"/>
+                  </a:schemeClr>
+                </a:solidFill>
+              </a:rPr>
+              <a:t>like</a:t>
+            </a:r>
+            <a:r>
+              <a:rPr lang="en-IN" dirty="0" smtClean="0">
+                <a:solidFill>
+                  <a:schemeClr val="tx1">
+                    <a:lumMod val="95000"/>
+                    <a:lumOff val="5000"/>
+                  </a:schemeClr>
+                </a:solidFill>
+              </a:rPr>
+              <a:t> </a:t>
+            </a:r>
+            <a:r>
+              <a:rPr lang="en-IN" dirty="0" smtClean="0">
+                <a:solidFill>
+                  <a:schemeClr val="tx1">
+                    <a:lumMod val="95000"/>
+                    <a:lumOff val="5000"/>
+                  </a:schemeClr>
+                </a:solidFill>
+                <a:hlinkClick r:id="rId2"/>
+              </a:rPr>
+              <a:t>Abstraction</a:t>
+            </a:r>
+            <a:r>
+              <a:rPr lang="en-IN" dirty="0" smtClean="0">
+                <a:solidFill>
+                  <a:schemeClr val="tx1">
+                    <a:lumMod val="95000"/>
+                    <a:lumOff val="5000"/>
+                  </a:schemeClr>
+                </a:solidFill>
+              </a:rPr>
+              <a:t>, </a:t>
+            </a:r>
+            <a:r>
+              <a:rPr lang="en-IN" dirty="0" smtClean="0">
+                <a:solidFill>
+                  <a:schemeClr val="tx1">
+                    <a:lumMod val="95000"/>
+                    <a:lumOff val="5000"/>
+                  </a:schemeClr>
+                </a:solidFill>
+                <a:hlinkClick r:id="rId3"/>
+              </a:rPr>
+              <a:t>Encapsulation</a:t>
+            </a:r>
+            <a:r>
+              <a:rPr lang="en-IN" dirty="0" smtClean="0">
+                <a:solidFill>
+                  <a:schemeClr val="tx1">
+                    <a:lumMod val="95000"/>
+                    <a:lumOff val="5000"/>
+                  </a:schemeClr>
+                </a:solidFill>
+              </a:rPr>
+              <a:t>, </a:t>
+            </a:r>
+            <a:r>
+              <a:rPr lang="en-IN" dirty="0" smtClean="0">
+                <a:solidFill>
+                  <a:schemeClr val="tx1">
+                    <a:lumMod val="95000"/>
+                    <a:lumOff val="5000"/>
+                  </a:schemeClr>
+                </a:solidFill>
+                <a:hlinkClick r:id="rId4"/>
+              </a:rPr>
+              <a:t>Polymorphism</a:t>
+            </a:r>
+            <a:r>
+              <a:rPr lang="en-IN" dirty="0" smtClean="0">
+                <a:solidFill>
+                  <a:schemeClr val="tx1">
+                    <a:lumMod val="95000"/>
+                    <a:lumOff val="5000"/>
+                  </a:schemeClr>
+                </a:solidFill>
+              </a:rPr>
+              <a:t>, and </a:t>
+            </a:r>
+            <a:r>
+              <a:rPr lang="en-IN" dirty="0" smtClean="0">
+                <a:solidFill>
+                  <a:schemeClr val="tx1">
+                    <a:lumMod val="95000"/>
+                    <a:lumOff val="5000"/>
+                  </a:schemeClr>
+                </a:solidFill>
+                <a:hlinkClick r:id="rId5"/>
+              </a:rPr>
+              <a:t>Inheritance</a:t>
+            </a:r>
+            <a:r>
+              <a:rPr lang="en-IN" dirty="0" smtClean="0">
+                <a:solidFill>
+                  <a:schemeClr val="tx1">
+                    <a:lumMod val="95000"/>
+                    <a:lumOff val="5000"/>
+                  </a:schemeClr>
+                </a:solidFill>
+              </a:rPr>
+              <a:t>. But, at the same time, it's equally important to know object-oriented design principles. They will help you to create a clean and modular design, which would be easy to test, debug, and maintain in the future.</a:t>
+            </a:r>
+            <a:br>
+              <a:rPr lang="en-IN" dirty="0" smtClean="0">
+                <a:solidFill>
+                  <a:schemeClr val="tx1">
+                    <a:lumMod val="95000"/>
+                    <a:lumOff val="5000"/>
+                  </a:schemeClr>
+                </a:solidFill>
+              </a:rPr>
+            </a:br>
+            <a:endParaRPr lang="en-IN" dirty="0">
+              <a:solidFill>
+                <a:schemeClr val="tx1">
+                  <a:lumMod val="95000"/>
+                  <a:lumOff val="5000"/>
+                </a:schemeClr>
+              </a:solidFill>
+            </a:endParaRPr>
+          </a:p>
+        </p:txBody>
+      </p:sp>
+    </p:spTree>
+  </p:cSld>
+  <p:clrMapOvr>
+    <a:masterClrMapping/>
+  </p:clrMapOvr>
+</p:sld>
+</file>
+
+<file path=ppt/slides/slide31.xml><?xml version="1.0" encoding="utf-8"?>
 <p:sld xmlns:a="http://schemas.openxmlformats.org/drawingml/2006/main" xmlns:r="http://schemas.openxmlformats.org/officeDocument/2006/relationships" xmlns:p="http://schemas.openxmlformats.org/presentationml/2006/main">
   <p:cSld>
     <p:spTree>
@@ -6245,7 +7544,7 @@
 </p:sld>
 </file>
 
-<file path=ppt/slides/slide23.xml><?xml version="1.0" encoding="utf-8"?>
+<file path=ppt/slides/slide32.xml><?xml version="1.0" encoding="utf-8"?>
 <p:sld xmlns:a="http://schemas.openxmlformats.org/drawingml/2006/main" xmlns:r="http://schemas.openxmlformats.org/officeDocument/2006/relationships" xmlns:p="http://schemas.openxmlformats.org/presentationml/2006/main">
   <p:cSld>
     <p:spTree>
@@ -6280,13 +7579,15 @@
         </p:spPr>
         <p:txBody>
           <a:bodyPr>
-            <a:normAutofit fontScale="25000" lnSpcReduction="20000"/>
+            <a:normAutofit fontScale="40000" lnSpcReduction="20000"/>
           </a:bodyPr>
           <a:lstStyle/>
           <a:p>
-            <a:pPr fontAlgn="base"/>
-            <a:r>
-              <a:rPr lang="en-IN" dirty="0" smtClean="0"/>
+            <a:pPr fontAlgn="base">
+              <a:buNone/>
+            </a:pPr>
+            <a:r>
+              <a:rPr lang="en-IN" b="1" dirty="0" smtClean="0"/>
               <a:t>Object oriented design principle 1 – DRY (Don’t repeat yourself)</a:t>
             </a:r>
           </a:p>
@@ -6324,9 +7625,11 @@
             </a:r>
           </a:p>
           <a:p>
-            <a:pPr fontAlgn="base"/>
-            <a:r>
-              <a:rPr lang="en-IN" dirty="0" smtClean="0"/>
+            <a:pPr fontAlgn="base">
+              <a:buNone/>
+            </a:pPr>
+            <a:r>
+              <a:rPr lang="en-IN" b="1" dirty="0" smtClean="0"/>
               <a:t>Object oriented design principle 2 – Encapsulate what varies</a:t>
             </a:r>
           </a:p>
@@ -6348,9 +7651,11 @@
             </a:r>
           </a:p>
           <a:p>
-            <a:pPr fontAlgn="base"/>
-            <a:r>
-              <a:rPr lang="en-IN" dirty="0" smtClean="0"/>
+            <a:pPr fontAlgn="base">
+              <a:buNone/>
+            </a:pPr>
+            <a:r>
+              <a:rPr lang="en-IN" b="1" dirty="0" smtClean="0"/>
               <a:t>Object oriented design principle 3 – Open Closed principle</a:t>
             </a:r>
           </a:p>
@@ -6372,9 +7677,11 @@
             </a:r>
           </a:p>
           <a:p>
-            <a:pPr fontAlgn="base"/>
-            <a:r>
-              <a:rPr lang="en-IN" dirty="0" smtClean="0"/>
+            <a:pPr fontAlgn="base">
+              <a:buNone/>
+            </a:pPr>
+            <a:r>
+              <a:rPr lang="en-IN" b="1" dirty="0" smtClean="0"/>
               <a:t>Object oriented design principle 4 – Single Responsibility Principle (SRP)</a:t>
             </a:r>
           </a:p>
@@ -6392,247 +7699,13 @@
             </a:r>
             <a:r>
               <a:rPr lang="en-IN" dirty="0" smtClean="0"/>
-              <a:t> it introduce coupling between two functionality and even if you change one functionality there is chance you broke coupled functionality which require another round of testing to avoid any surprise on production environment.</a:t>
-            </a:r>
-          </a:p>
-          <a:p>
-            <a:pPr fontAlgn="base"/>
-            <a:r>
-              <a:rPr lang="en-IN" dirty="0" smtClean="0"/>
-              <a:t>Object oriented design principle 5 – Dependency Injection or Inversion principle</a:t>
-            </a:r>
-          </a:p>
-          <a:p>
-            <a:pPr fontAlgn="base"/>
-            <a:r>
-              <a:rPr lang="en-IN" dirty="0" smtClean="0"/>
-              <a:t>Don’t ask for dependency it will be provided to you by framework. This has been very well implemented in Spring framework, beauty of this design principle is that any class which is injected by DI framework is easy to test with mock object and easier to maintain because object creation code is centralized in framework and client code is not littered with </a:t>
-            </a:r>
-            <a:r>
-              <a:rPr lang="en-IN" dirty="0" err="1" smtClean="0"/>
-              <a:t>that.There</a:t>
-            </a:r>
-            <a:r>
-              <a:rPr lang="en-IN" dirty="0" smtClean="0"/>
-              <a:t> are multiple ways to implemented Dependency injection like using byte code instrumentation which some AOP (Aspect Oriented programming) framework like </a:t>
-            </a:r>
-            <a:r>
-              <a:rPr lang="en-IN" dirty="0" err="1" smtClean="0"/>
-              <a:t>AspectJ</a:t>
-            </a:r>
-            <a:r>
-              <a:rPr lang="en-IN" dirty="0" smtClean="0"/>
-              <a:t> does or by using proxies just like used in Spring.</a:t>
-            </a:r>
-          </a:p>
-          <a:p>
-            <a:pPr fontAlgn="base"/>
-            <a:r>
-              <a:rPr lang="en-IN" dirty="0" smtClean="0"/>
-              <a:t>Object oriented design principle 6 – Favour Composition over Inheritance</a:t>
-            </a:r>
-          </a:p>
-          <a:p>
-            <a:pPr fontAlgn="base"/>
-            <a:r>
-              <a:rPr lang="en-IN" dirty="0" smtClean="0"/>
-              <a:t>Always </a:t>
-            </a:r>
-            <a:r>
-              <a:rPr lang="en-IN" i="1" dirty="0" smtClean="0"/>
-              <a:t>favour composition over inheritance</a:t>
-            </a:r>
-            <a:r>
-              <a:rPr lang="en-IN" dirty="0" smtClean="0"/>
-              <a:t> if possible. Some of you may argue this but I found that Composition is lot more flexible than Inheritance. Composition allows to change behaviour of a class at runtime by setting property during runtime and by using Interfaces to compose a class we use </a:t>
-            </a:r>
-            <a:r>
-              <a:rPr lang="en-IN" dirty="0" smtClean="0">
-                <a:hlinkClick r:id="rId6"/>
-              </a:rPr>
-              <a:t>polymorphism</a:t>
-            </a:r>
-            <a:r>
-              <a:rPr lang="en-IN" dirty="0" smtClean="0"/>
-              <a:t> which provides flexibility of to replace with better implementation any time. Even </a:t>
-            </a:r>
-            <a:r>
-              <a:rPr lang="en-IN" dirty="0" smtClean="0">
-                <a:hlinkClick r:id="rId7"/>
-              </a:rPr>
-              <a:t>Effective Java</a:t>
-            </a:r>
-            <a:r>
-              <a:rPr lang="en-IN" dirty="0" smtClean="0"/>
-              <a:t> advise to </a:t>
-            </a:r>
-            <a:r>
-              <a:rPr lang="en-IN" dirty="0" err="1" smtClean="0"/>
-              <a:t>favor</a:t>
-            </a:r>
-            <a:r>
-              <a:rPr lang="en-IN" dirty="0" smtClean="0"/>
-              <a:t> composition over inheritance.</a:t>
-            </a:r>
-          </a:p>
-          <a:p>
-            <a:pPr fontAlgn="base"/>
-            <a:r>
-              <a:rPr lang="en-IN" dirty="0" smtClean="0"/>
-              <a:t>Object oriented design principle 7 – </a:t>
-            </a:r>
-            <a:r>
-              <a:rPr lang="en-IN" dirty="0" err="1" smtClean="0"/>
-              <a:t>Liskov</a:t>
-            </a:r>
-            <a:r>
-              <a:rPr lang="en-IN" dirty="0" smtClean="0"/>
-              <a:t> Substitution Principle (LSP)</a:t>
-            </a:r>
-          </a:p>
-          <a:p>
-            <a:pPr fontAlgn="base"/>
-            <a:r>
-              <a:rPr lang="en-IN" dirty="0" smtClean="0"/>
-              <a:t>According to </a:t>
-            </a:r>
-            <a:r>
-              <a:rPr lang="en-IN" dirty="0" err="1" smtClean="0"/>
-              <a:t>Liskov</a:t>
-            </a:r>
-            <a:r>
-              <a:rPr lang="en-IN" dirty="0" smtClean="0"/>
-              <a:t> Substitution Principle Subtypes must be substitutable for super type i.e. methods or functions which uses super class type must be able to work with object of sub class without any issue”. LSP is closely related to Single responsibility principle and Interface Segregation Principle. If a class has more functionality than subclass might not support some of the functionality and does violated LSP. In order to follow LSP design principle, derived class or sub class must enhance functionality not reducing it.</a:t>
-            </a:r>
-          </a:p>
-          <a:p>
-            <a:pPr fontAlgn="base"/>
-            <a:r>
-              <a:rPr lang="en-IN" dirty="0" smtClean="0"/>
-              <a:t>Object oriented design principle 8 – Interface Segregation principle (ISP)</a:t>
-            </a:r>
-          </a:p>
-          <a:p>
-            <a:pPr fontAlgn="base"/>
-            <a:r>
-              <a:rPr lang="en-IN" dirty="0" smtClean="0"/>
-              <a:t>Interface Segregation Principle stats that a client should not implement an interface if it doesn’t use that. this happens mostly when one interface contains more than one functionality and client only need one functionality and not </a:t>
-            </a:r>
-            <a:r>
-              <a:rPr lang="en-IN" dirty="0" err="1" smtClean="0"/>
-              <a:t>other.Interface</a:t>
-            </a:r>
-            <a:r>
-              <a:rPr lang="en-IN" dirty="0" smtClean="0"/>
-              <a:t> design is tricky job because once you release your interface you can not change it without breaking all implementation. Another benefit of this </a:t>
-            </a:r>
-            <a:r>
-              <a:rPr lang="en-IN" dirty="0" err="1" smtClean="0"/>
-              <a:t>desing</a:t>
-            </a:r>
-            <a:r>
-              <a:rPr lang="en-IN" dirty="0" smtClean="0"/>
-              <a:t> principle in Java is, interface has disadvantage to implement all method before any class can use it so having single functionality means less method to implement.</a:t>
-            </a:r>
-          </a:p>
-          <a:p>
-            <a:pPr fontAlgn="base"/>
-            <a:r>
-              <a:rPr lang="en-IN" dirty="0" smtClean="0"/>
-              <a:t>Object oriented design principle 9 – Programming for Interface not implementation</a:t>
-            </a:r>
-          </a:p>
-          <a:p>
-            <a:pPr fontAlgn="base"/>
-            <a:r>
-              <a:rPr lang="en-IN" dirty="0" smtClean="0"/>
-              <a:t>Always </a:t>
-            </a:r>
-            <a:r>
-              <a:rPr lang="en-IN" i="1" dirty="0" smtClean="0"/>
-              <a:t>program for interface and not for implementation</a:t>
-            </a:r>
-            <a:r>
-              <a:rPr lang="en-IN" dirty="0" smtClean="0"/>
-              <a:t> this will lead to flexible code which can work with any new implementation of interface. So use interface type on variables, return types of method or argument type of methods in Java. This has been advised by many Java programmer including in </a:t>
-            </a:r>
-            <a:r>
-              <a:rPr lang="en-IN" dirty="0" smtClean="0">
-                <a:hlinkClick r:id="rId7"/>
-              </a:rPr>
-              <a:t>Effective Java</a:t>
-            </a:r>
-            <a:r>
-              <a:rPr lang="en-IN" dirty="0" smtClean="0"/>
-              <a:t> and </a:t>
-            </a:r>
-            <a:r>
-              <a:rPr lang="en-IN" dirty="0" smtClean="0">
-                <a:hlinkClick r:id="rId8"/>
-              </a:rPr>
-              <a:t>head first design pattern</a:t>
-            </a:r>
-            <a:r>
-              <a:rPr lang="en-IN" dirty="0" smtClean="0"/>
-              <a:t> book.</a:t>
-            </a:r>
-          </a:p>
-          <a:p>
-            <a:pPr fontAlgn="base"/>
-            <a:r>
-              <a:rPr lang="en-IN" dirty="0" smtClean="0"/>
-              <a:t>Object oriented design principle 10 – Delegation principle</a:t>
-            </a:r>
-          </a:p>
-          <a:p>
-            <a:pPr fontAlgn="base"/>
-            <a:r>
-              <a:rPr lang="en-IN" dirty="0" smtClean="0"/>
-              <a:t>Don’t do all stuff by yourself, delegate it to respective class. Classical example of delegation design principle is </a:t>
-            </a:r>
-            <a:r>
-              <a:rPr lang="en-IN" dirty="0" smtClean="0">
-                <a:hlinkClick r:id="rId9"/>
-              </a:rPr>
-              <a:t>equals() and </a:t>
-            </a:r>
-            <a:r>
-              <a:rPr lang="en-IN" dirty="0" err="1" smtClean="0">
-                <a:hlinkClick r:id="rId9"/>
-              </a:rPr>
-              <a:t>hashCode</a:t>
-            </a:r>
-            <a:r>
-              <a:rPr lang="en-IN" dirty="0" smtClean="0">
-                <a:hlinkClick r:id="rId9"/>
-              </a:rPr>
-              <a:t>() method in Java</a:t>
-            </a:r>
-            <a:r>
-              <a:rPr lang="en-IN" dirty="0" smtClean="0"/>
-              <a:t>. In order to compare two object for equality we ask class itself to do comparison instead of Client class doing that check. Benefit of this design principle is no duplication of code and pretty easy to modify behaviour.</a:t>
-            </a:r>
-          </a:p>
-          <a:p>
-            <a:pPr fontAlgn="base"/>
-            <a:r>
-              <a:rPr lang="en-IN" dirty="0" smtClean="0"/>
-              <a:t>All these object oriented design principle helps you write flexible and better code by striving high cohesion and low coupling. Theory is first step but what is most important is to </a:t>
-            </a:r>
-            <a:r>
-              <a:rPr lang="en-IN" i="1" dirty="0" smtClean="0"/>
-              <a:t>develop ability to find out when and to apply these design principle</a:t>
-            </a:r>
-            <a:r>
-              <a:rPr lang="en-IN" dirty="0" smtClean="0"/>
-              <a:t> and find our whether we are violating any design principle and compromising flexibility of code. but again as nothing is perfect in this world, don’t always try to solve problem with design patterns and design principle they are mostly for large enterprise project which has longer maintenance cycle.</a:t>
-            </a:r>
-          </a:p>
-          <a:p>
-            <a:pPr>
-              <a:buNone/>
-            </a:pPr>
-            <a:endParaRPr lang="en-IN" dirty="0"/>
+              <a:t> it introduce coupling between two functionality and even if you change one functionality there is chance you broke coupled functionality which require another round of testing to avoid any surprise on production environment</a:t>
+            </a:r>
+            <a:r>
+              <a:rPr lang="en-IN" dirty="0" smtClean="0"/>
+              <a:t>.</a:t>
+            </a:r>
+            <a:endParaRPr lang="en-IN" dirty="0" smtClean="0"/>
           </a:p>
         </p:txBody>
       </p:sp>
@@ -6644,7 +7717,7 @@
 </p:sld>
 </file>
 
-<file path=ppt/slides/slide3.xml><?xml version="1.0" encoding="utf-8"?>
+<file path=ppt/slides/slide33.xml><?xml version="1.0" encoding="utf-8"?>
 <p:sld xmlns:a="http://schemas.openxmlformats.org/drawingml/2006/main" xmlns:r="http://schemas.openxmlformats.org/officeDocument/2006/relationships" xmlns:p="http://schemas.openxmlformats.org/presentationml/2006/main">
   <p:cSld>
     <p:spTree>
@@ -6663,34 +7736,171 @@
       </p:grpSpPr>
       <p:sp>
         <p:nvSpPr>
-          <p:cNvPr id="2" name="Title 1"/>
-          <p:cNvSpPr>
-            <a:spLocks noGrp="1"/>
-          </p:cNvSpPr>
-          <p:nvPr>
-            <p:ph type="title"/>
+          <p:cNvPr id="3" name="Content Placeholder 2"/>
+          <p:cNvSpPr>
+            <a:spLocks noGrp="1"/>
+          </p:cNvSpPr>
+          <p:nvPr>
+            <p:ph idx="1"/>
           </p:nvPr>
         </p:nvSpPr>
         <p:spPr>
           <a:xfrm>
-            <a:off x="1428728" y="214290"/>
-            <a:ext cx="7498080" cy="571504"/>
+            <a:off x="1435608" y="500042"/>
+            <a:ext cx="7498080" cy="5748358"/>
           </a:xfrm>
         </p:spPr>
         <p:txBody>
           <a:bodyPr>
-            <a:normAutofit fontScale="90000"/>
+            <a:normAutofit fontScale="47500" lnSpcReduction="20000"/>
           </a:bodyPr>
           <a:lstStyle/>
           <a:p>
-            <a:r>
-              <a:rPr lang="en-IN" dirty="0" smtClean="0"/>
-              <a:t>Design Pattern an overview.</a:t>
-            </a:r>
+            <a:pPr fontAlgn="base">
+              <a:buNone/>
+            </a:pPr>
+            <a:r>
+              <a:rPr lang="en-IN" b="1" dirty="0" smtClean="0"/>
+              <a:t>Object oriented design principle 5 – Dependency Injection or Inversion principle</a:t>
+            </a:r>
+          </a:p>
+          <a:p>
+            <a:pPr fontAlgn="base"/>
+            <a:r>
+              <a:rPr lang="en-IN" dirty="0" smtClean="0"/>
+              <a:t>Don’t ask for dependency it will be provided to you by framework. This has been very well implemented in Spring framework, beauty of this design principle is that any class which is injected by DI framework is easy to test with mock object and easier to maintain because object creation code is centralized in framework and client code is not littered with </a:t>
+            </a:r>
+            <a:r>
+              <a:rPr lang="en-IN" dirty="0" err="1" smtClean="0"/>
+              <a:t>that.There</a:t>
+            </a:r>
+            <a:r>
+              <a:rPr lang="en-IN" dirty="0" smtClean="0"/>
+              <a:t> are multiple ways to implemented Dependency injection like using byte code instrumentation which some AOP (Aspect Oriented programming) framework like </a:t>
+            </a:r>
+            <a:r>
+              <a:rPr lang="en-IN" dirty="0" err="1" smtClean="0"/>
+              <a:t>AspectJ</a:t>
+            </a:r>
+            <a:r>
+              <a:rPr lang="en-IN" dirty="0" smtClean="0"/>
+              <a:t> does or by using proxies just like used in Spring.</a:t>
+            </a:r>
+          </a:p>
+          <a:p>
+            <a:pPr fontAlgn="base">
+              <a:buNone/>
+            </a:pPr>
+            <a:r>
+              <a:rPr lang="en-IN" b="1" dirty="0" smtClean="0"/>
+              <a:t>Object oriented design principle 6 – Favour Composition over Inheritance</a:t>
+            </a:r>
+          </a:p>
+          <a:p>
+            <a:pPr fontAlgn="base"/>
+            <a:r>
+              <a:rPr lang="en-IN" dirty="0" smtClean="0"/>
+              <a:t>Always </a:t>
+            </a:r>
+            <a:r>
+              <a:rPr lang="en-IN" i="1" dirty="0" smtClean="0"/>
+              <a:t>favour composition over inheritance</a:t>
+            </a:r>
+            <a:r>
+              <a:rPr lang="en-IN" dirty="0" smtClean="0"/>
+              <a:t> if possible. Some of you may argue this but I found that Composition is lot more flexible than Inheritance. Composition allows to change behaviour of a class at runtime by setting property during runtime and by using Interfaces to compose a class we use </a:t>
+            </a:r>
+            <a:r>
+              <a:rPr lang="en-IN" dirty="0" smtClean="0">
+                <a:hlinkClick r:id="rId2"/>
+              </a:rPr>
+              <a:t>polymorphism</a:t>
+            </a:r>
+            <a:r>
+              <a:rPr lang="en-IN" dirty="0" smtClean="0"/>
+              <a:t> which provides flexibility of to replace with better implementation any time. Even </a:t>
+            </a:r>
+            <a:r>
+              <a:rPr lang="en-IN" dirty="0" smtClean="0">
+                <a:hlinkClick r:id="rId3"/>
+              </a:rPr>
+              <a:t>Effective Java</a:t>
+            </a:r>
+            <a:r>
+              <a:rPr lang="en-IN" dirty="0" smtClean="0"/>
+              <a:t> advise to </a:t>
+            </a:r>
+            <a:r>
+              <a:rPr lang="en-IN" dirty="0" err="1" smtClean="0"/>
+              <a:t>favor</a:t>
+            </a:r>
+            <a:r>
+              <a:rPr lang="en-IN" dirty="0" smtClean="0"/>
+              <a:t> composition over inheritance.</a:t>
+            </a:r>
+          </a:p>
+          <a:p>
+            <a:pPr fontAlgn="base">
+              <a:buNone/>
+            </a:pPr>
+            <a:r>
+              <a:rPr lang="en-IN" b="1" dirty="0" smtClean="0"/>
+              <a:t>Object oriented design principle 7 – </a:t>
+            </a:r>
+            <a:r>
+              <a:rPr lang="en-IN" b="1" dirty="0" err="1" smtClean="0"/>
+              <a:t>Liskov</a:t>
+            </a:r>
+            <a:r>
+              <a:rPr lang="en-IN" b="1" dirty="0" smtClean="0"/>
+              <a:t> Substitution Principle (LSP)</a:t>
+            </a:r>
+          </a:p>
+          <a:p>
+            <a:pPr fontAlgn="base"/>
+            <a:r>
+              <a:rPr lang="en-IN" dirty="0" smtClean="0"/>
+              <a:t>According to </a:t>
+            </a:r>
+            <a:r>
+              <a:rPr lang="en-IN" dirty="0" err="1" smtClean="0"/>
+              <a:t>Liskov</a:t>
+            </a:r>
+            <a:r>
+              <a:rPr lang="en-IN" dirty="0" smtClean="0"/>
+              <a:t> Substitution Principle Subtypes must be substitutable for super type i.e. methods or functions which uses super class type must be able to work with object of sub class without any issue”. LSP is closely related to Single responsibility principle and Interface Segregation Principle. If a class has more functionality than subclass might not support some of the functionality and does violated LSP. In order to follow LSP design principle, derived class or sub class must enhance functionality not reducing it.</a:t>
+            </a:r>
+          </a:p>
+          <a:p>
             <a:endParaRPr lang="en-IN" dirty="0"/>
           </a:p>
         </p:txBody>
       </p:sp>
+    </p:spTree>
+  </p:cSld>
+  <p:clrMapOvr>
+    <a:masterClrMapping/>
+  </p:clrMapOvr>
+</p:sld>
+</file>
+
+<file path=ppt/slides/slide34.xml><?xml version="1.0" encoding="utf-8"?>
+<p:sld xmlns:a="http://schemas.openxmlformats.org/drawingml/2006/main" xmlns:r="http://schemas.openxmlformats.org/officeDocument/2006/relationships" xmlns:p="http://schemas.openxmlformats.org/presentationml/2006/main">
+  <p:cSld>
+    <p:spTree>
+      <p:nvGrpSpPr>
+        <p:cNvPr id="1" name=""/>
+        <p:cNvGrpSpPr/>
+        <p:nvPr/>
+      </p:nvGrpSpPr>
+      <p:grpSpPr>
+        <a:xfrm>
+          <a:off x="0" y="0"/>
+          <a:ext cx="0" cy="0"/>
+          <a:chOff x="0" y="0"/>
+          <a:chExt cx="0" cy="0"/>
+        </a:xfrm>
+      </p:grpSpPr>
       <p:sp>
         <p:nvSpPr>
           <p:cNvPr id="3" name="Content Placeholder 2"/>
@@ -6703,74 +7913,152 @@
         </p:nvSpPr>
         <p:spPr>
           <a:xfrm>
-            <a:off x="1435608" y="1142984"/>
-            <a:ext cx="7498080" cy="5429288"/>
+            <a:off x="1435608" y="285728"/>
+            <a:ext cx="7498080" cy="5962672"/>
           </a:xfrm>
         </p:spPr>
         <p:txBody>
           <a:bodyPr>
-            <a:normAutofit fontScale="55000" lnSpcReduction="20000"/>
+            <a:normAutofit fontScale="47500" lnSpcReduction="20000"/>
           </a:bodyPr>
           <a:lstStyle/>
           <a:p>
-            <a:r>
-              <a:rPr lang="en-IN" dirty="0" smtClean="0"/>
-              <a:t>A developer writing codes to develop a software using any programming language. When we are developing a software, we face lots of problems and some of the problems are very common and faced by lots of developers. </a:t>
-            </a:r>
-          </a:p>
-          <a:p>
-            <a:r>
-              <a:rPr lang="en-IN" dirty="0" smtClean="0"/>
-              <a:t>What if, we have common problem and can we solve it and have a common solution of it and can anybody use it who face the same type of problem.  The solution is like a conceptual solution (not </a:t>
-            </a:r>
-            <a:r>
-              <a:rPr lang="en-IN" dirty="0" smtClean="0"/>
-              <a:t>related to domain problems like banking domain, ecommerce domain or any social networking </a:t>
-            </a:r>
-            <a:r>
-              <a:rPr lang="en-IN" dirty="0" smtClean="0"/>
-              <a:t>domain) that can be followed by other developers faced with same problem, we can think as it a set of guide lines that followed by developers to overcome the common problem. In simple terms we can call it as a best practices defined for developing a software.</a:t>
-            </a:r>
-          </a:p>
-          <a:p>
-            <a:r>
-              <a:rPr lang="en-IN" dirty="0" smtClean="0"/>
-              <a:t>In software industry we have a group of professional who provide set of guide lines to overcome the common problems what we called as best practices and these best practices we technically called as design patterns.</a:t>
-            </a:r>
-          </a:p>
-          <a:p>
-            <a:r>
-              <a:rPr lang="en-IN" dirty="0" smtClean="0"/>
-              <a:t>In 1994 there are group of 4 peoples who first introduces the set of best practices to provide the common solutions for the common reoccurring problems called design pattern, who are known as </a:t>
+            <a:pPr fontAlgn="base">
+              <a:buNone/>
+            </a:pPr>
+            <a:r>
+              <a:rPr lang="en-IN" b="1" dirty="0" smtClean="0"/>
+              <a:t>Object oriented design principle 8 – Interface Segregation principle (ISP)</a:t>
+            </a:r>
+          </a:p>
+          <a:p>
+            <a:pPr fontAlgn="base"/>
+            <a:r>
+              <a:rPr lang="en-IN" dirty="0" smtClean="0"/>
+              <a:t>Interface Segregation Principle stats that a client should not implement an interface if it doesn’t use that. this happens mostly when one interface contains more than one functionality and client only need one functionality and not </a:t>
             </a:r>
             <a:r>
               <a:rPr lang="en-IN" dirty="0" err="1" smtClean="0"/>
-              <a:t>GoF</a:t>
-            </a:r>
-            <a:r>
-              <a:rPr lang="en-IN" dirty="0" smtClean="0"/>
-              <a:t> (Gang of four) and the set of guide lines introduces by them called as </a:t>
+              <a:t>other.Interface</a:t>
+            </a:r>
+            <a:r>
+              <a:rPr lang="en-IN" dirty="0" smtClean="0"/>
+              <a:t> design is tricky job because once you release your interface you can not change it without breaking all implementation. Another benefit of this </a:t>
             </a:r>
             <a:r>
               <a:rPr lang="en-IN" dirty="0" err="1" smtClean="0"/>
-              <a:t>GoF</a:t>
-            </a:r>
-            <a:r>
-              <a:rPr lang="en-IN" dirty="0" smtClean="0"/>
-              <a:t> design patterns.</a:t>
-            </a:r>
-          </a:p>
-          <a:p>
+              <a:t>desing</a:t>
+            </a:r>
+            <a:r>
+              <a:rPr lang="en-IN" dirty="0" smtClean="0"/>
+              <a:t> principle in Java is, interface has disadvantage to implement all method before any class can use it so having single functionality means less method to implement.</a:t>
+            </a:r>
+          </a:p>
+          <a:p>
+            <a:pPr fontAlgn="base">
+              <a:buNone/>
+            </a:pPr>
+            <a:r>
+              <a:rPr lang="en-IN" b="1" dirty="0" smtClean="0"/>
+              <a:t>Object oriented design principle 9 – Programming for Interface not implementation</a:t>
+            </a:r>
+          </a:p>
+          <a:p>
+            <a:pPr fontAlgn="base"/>
+            <a:r>
+              <a:rPr lang="en-IN" dirty="0" smtClean="0"/>
+              <a:t>Always </a:t>
+            </a:r>
+            <a:r>
+              <a:rPr lang="en-IN" i="1" dirty="0" smtClean="0"/>
+              <a:t>program for interface and not for implementation</a:t>
+            </a:r>
+            <a:r>
+              <a:rPr lang="en-IN" dirty="0" smtClean="0"/>
+              <a:t> this will lead to flexible code which can work with any new implementation of interface. So use interface type on variables, return types of method or argument type of methods in Java. This has been advised by many Java programmer including in </a:t>
+            </a:r>
+            <a:r>
+              <a:rPr lang="en-IN" dirty="0" smtClean="0">
+                <a:hlinkClick r:id="rId2"/>
+              </a:rPr>
+              <a:t>Effective Java</a:t>
+            </a:r>
+            <a:r>
+              <a:rPr lang="en-IN" dirty="0" smtClean="0"/>
+              <a:t> and </a:t>
+            </a:r>
+            <a:r>
+              <a:rPr lang="en-IN" dirty="0" smtClean="0">
+                <a:hlinkClick r:id="rId3"/>
+              </a:rPr>
+              <a:t>head first design pattern</a:t>
+            </a:r>
+            <a:r>
+              <a:rPr lang="en-IN" dirty="0" smtClean="0"/>
+              <a:t> book.</a:t>
+            </a:r>
+          </a:p>
+          <a:p>
+            <a:pPr fontAlgn="base">
+              <a:buNone/>
+            </a:pPr>
+            <a:r>
+              <a:rPr lang="en-IN" b="1" dirty="0" smtClean="0"/>
+              <a:t>Object oriented design principle 10 – Delegation principle</a:t>
+            </a:r>
+          </a:p>
+          <a:p>
+            <a:pPr fontAlgn="base"/>
+            <a:r>
+              <a:rPr lang="en-IN" dirty="0" smtClean="0"/>
+              <a:t>Don’t do all stuff by yourself, delegate it to respective class. Classical example of delegation design principle is </a:t>
+            </a:r>
+            <a:r>
+              <a:rPr lang="en-IN" dirty="0" smtClean="0">
+                <a:hlinkClick r:id="rId4"/>
+              </a:rPr>
+              <a:t>equals() and </a:t>
+            </a:r>
+            <a:r>
+              <a:rPr lang="en-IN" dirty="0" err="1" smtClean="0">
+                <a:hlinkClick r:id="rId4"/>
+              </a:rPr>
+              <a:t>hashCode</a:t>
+            </a:r>
+            <a:r>
+              <a:rPr lang="en-IN" dirty="0" smtClean="0">
+                <a:hlinkClick r:id="rId4"/>
+              </a:rPr>
+              <a:t>() method in Java</a:t>
+            </a:r>
+            <a:r>
+              <a:rPr lang="en-IN" dirty="0" smtClean="0"/>
+              <a:t>. In order to compare two object for equality we ask class itself to do comparison instead of Client class doing that check. Benefit of this design principle is no duplication of code and pretty easy to modify behaviour.</a:t>
+            </a:r>
+          </a:p>
+          <a:p>
+            <a:pPr fontAlgn="base"/>
+            <a:r>
+              <a:rPr lang="en-IN" dirty="0" smtClean="0"/>
+              <a:t>All these object oriented design principle helps you write flexible and better code by striving high cohesion and low coupling. Theory is first step but what is most important is to </a:t>
+            </a:r>
+            <a:r>
+              <a:rPr lang="en-IN" i="1" dirty="0" smtClean="0"/>
+              <a:t>develop ability to find out when and to apply these design principle</a:t>
+            </a:r>
+            <a:r>
+              <a:rPr lang="en-IN" dirty="0" smtClean="0"/>
+              <a:t> and find our whether we are violating any design principle and compromising flexibility of code. but again as nothing is perfect in this world, don’t always try to solve problem with design patterns and design principle they are mostly for large enterprise project which has longer maintenance cycle.</a:t>
+            </a:r>
+          </a:p>
+          <a:p>
+            <a:pPr>
+              <a:buNone/>
+            </a:pPr>
             <a:endParaRPr lang="en-IN" dirty="0" smtClean="0"/>
           </a:p>
           <a:p>
-            <a:pPr>
-              <a:buNone/>
-            </a:pPr>
-            <a:r>
-              <a:rPr lang="en-IN" dirty="0" smtClean="0"/>
-              <a:t>We are following the design patterns while writing codes more or less, knowingly or unknowingly like in every coding language and in every project we have a set of best practices guide line. </a:t>
-            </a:r>
+            <a:endParaRPr lang="en-IN" dirty="0"/>
           </a:p>
         </p:txBody>
       </p:sp>
@@ -6825,10 +8113,10 @@
               <a:buNone/>
             </a:pPr>
             <a:r>
-              <a:rPr lang="en-IN" dirty="0" err="1" smtClean="0"/>
+              <a:rPr lang="en-IN" b="1" dirty="0" err="1" smtClean="0"/>
               <a:t>Defination</a:t>
             </a:r>
-            <a:endParaRPr lang="en-IN" dirty="0" smtClean="0"/>
+            <a:endParaRPr lang="en-IN" b="1" dirty="0" smtClean="0"/>
           </a:p>
           <a:p>
             <a:pPr>
@@ -7043,8 +8331,17 @@
             </a:pPr>
             <a:r>
               <a:rPr lang="en-IN" dirty="0" smtClean="0"/>
-              <a:t>It can be think of a set of guide lines that can be followed to avoid some of the common mistakes at the time of writing the code and provide general solutions, documented in a format that doesn't require specifics tied to a particular problem.</a:t>
-            </a:r>
+              <a:t>It can be think of a set of guide lines that can be followed to avoid some of the common mistakes at the time of writing the code and provide general solutions, documented in a format that doesn't require specifics tied to </a:t>
+            </a:r>
+            <a:r>
+              <a:rPr lang="en-IN" dirty="0" smtClean="0"/>
+              <a:t>any particular language</a:t>
+            </a:r>
+            <a:r>
+              <a:rPr lang="en-IN" dirty="0" smtClean="0"/>
+              <a:t>.</a:t>
+            </a:r>
+            <a:endParaRPr lang="en-IN" dirty="0" smtClean="0"/>
           </a:p>
           <a:p>
             <a:r>
